--- a/2013_Summer/Week1/GA 3331 � Game Prototyping.pptx
+++ b/2013_Summer/Week1/GA 3331 � Game Prototyping.pptx
@@ -2,8 +2,11 @@
 <file path=ppt/presentation.xml><?xml version="1.0" encoding="utf-8"?>
 <p:presentation xmlns:a="http://schemas.openxmlformats.org/drawingml/2006/main" xmlns:r="http://schemas.openxmlformats.org/officeDocument/2006/relationships" xmlns:p="http://schemas.openxmlformats.org/presentationml/2006/main" saveSubsetFonts="1">
   <p:sldMasterIdLst>
-    <p:sldMasterId id="2147483744" r:id="rId1"/>
+    <p:sldMasterId id="2147483948" r:id="rId1"/>
   </p:sldMasterIdLst>
+  <p:notesMasterIdLst>
+    <p:notesMasterId r:id="rId21"/>
+  </p:notesMasterIdLst>
   <p:sldIdLst>
     <p:sldId id="256" r:id="rId2"/>
     <p:sldId id="261" r:id="rId3"/>
@@ -14,14 +17,16 @@
     <p:sldId id="262" r:id="rId8"/>
     <p:sldId id="264" r:id="rId9"/>
     <p:sldId id="263" r:id="rId10"/>
-    <p:sldId id="265" r:id="rId11"/>
-    <p:sldId id="266" r:id="rId12"/>
-    <p:sldId id="267" r:id="rId13"/>
-    <p:sldId id="268" r:id="rId14"/>
-    <p:sldId id="269" r:id="rId15"/>
-    <p:sldId id="270" r:id="rId16"/>
-    <p:sldId id="271" r:id="rId17"/>
-    <p:sldId id="272" r:id="rId18"/>
+    <p:sldId id="274" r:id="rId11"/>
+    <p:sldId id="265" r:id="rId12"/>
+    <p:sldId id="266" r:id="rId13"/>
+    <p:sldId id="267" r:id="rId14"/>
+    <p:sldId id="273" r:id="rId15"/>
+    <p:sldId id="268" r:id="rId16"/>
+    <p:sldId id="269" r:id="rId17"/>
+    <p:sldId id="270" r:id="rId18"/>
+    <p:sldId id="271" r:id="rId19"/>
+    <p:sldId id="272" r:id="rId20"/>
   </p:sldIdLst>
   <p:sldSz cx="9144000" cy="6858000" type="screen4x3"/>
   <p:notesSz cx="6858000" cy="9144000"/>
@@ -121,6 +126,1800 @@
     </a:lvl9pPr>
   </p:defaultTextStyle>
 </p:presentation>
+</file>
+
+<file path=ppt/notesMasters/notesMaster1.xml><?xml version="1.0" encoding="utf-8"?>
+<p:notesMaster xmlns:a="http://schemas.openxmlformats.org/drawingml/2006/main" xmlns:r="http://schemas.openxmlformats.org/officeDocument/2006/relationships" xmlns:p="http://schemas.openxmlformats.org/presentationml/2006/main">
+  <p:cSld>
+    <p:bg>
+      <p:bgRef idx="1001">
+        <a:schemeClr val="bg1"/>
+      </p:bgRef>
+    </p:bg>
+    <p:spTree>
+      <p:nvGrpSpPr>
+        <p:cNvPr id="1" name=""/>
+        <p:cNvGrpSpPr/>
+        <p:nvPr/>
+      </p:nvGrpSpPr>
+      <p:grpSpPr>
+        <a:xfrm>
+          <a:off x="0" y="0"/>
+          <a:ext cx="0" cy="0"/>
+          <a:chOff x="0" y="0"/>
+          <a:chExt cx="0" cy="0"/>
+        </a:xfrm>
+      </p:grpSpPr>
+      <p:sp>
+        <p:nvSpPr>
+          <p:cNvPr id="2" name="Header Placeholder 1"/>
+          <p:cNvSpPr>
+            <a:spLocks noGrp="1"/>
+          </p:cNvSpPr>
+          <p:nvPr>
+            <p:ph type="hdr" sz="quarter"/>
+          </p:nvPr>
+        </p:nvSpPr>
+        <p:spPr>
+          <a:xfrm>
+            <a:off x="0" y="0"/>
+            <a:ext cx="2971800" cy="457200"/>
+          </a:xfrm>
+          <a:prstGeom prst="rect">
+            <a:avLst/>
+          </a:prstGeom>
+        </p:spPr>
+        <p:txBody>
+          <a:bodyPr vert="horz" lIns="91440" tIns="45720" rIns="91440" bIns="45720" rtlCol="0"/>
+          <a:lstStyle>
+            <a:lvl1pPr algn="l">
+              <a:defRPr sz="1200"/>
+            </a:lvl1pPr>
+          </a:lstStyle>
+          <a:p>
+            <a:endParaRPr lang="en-US"/>
+          </a:p>
+        </p:txBody>
+      </p:sp>
+      <p:sp>
+        <p:nvSpPr>
+          <p:cNvPr id="3" name="Date Placeholder 2"/>
+          <p:cNvSpPr>
+            <a:spLocks noGrp="1"/>
+          </p:cNvSpPr>
+          <p:nvPr>
+            <p:ph type="dt" idx="1"/>
+          </p:nvPr>
+        </p:nvSpPr>
+        <p:spPr>
+          <a:xfrm>
+            <a:off x="3884613" y="0"/>
+            <a:ext cx="2971800" cy="457200"/>
+          </a:xfrm>
+          <a:prstGeom prst="rect">
+            <a:avLst/>
+          </a:prstGeom>
+        </p:spPr>
+        <p:txBody>
+          <a:bodyPr vert="horz" lIns="91440" tIns="45720" rIns="91440" bIns="45720" rtlCol="0"/>
+          <a:lstStyle>
+            <a:lvl1pPr algn="r">
+              <a:defRPr sz="1200"/>
+            </a:lvl1pPr>
+          </a:lstStyle>
+          <a:p>
+            <a:fld id="{B77B8518-E88F-4D3B-8775-F57688D39EC1}" type="datetimeFigureOut">
+              <a:rPr lang="en-US" smtClean="0"/>
+              <a:t>7/13/2013</a:t>
+            </a:fld>
+            <a:endParaRPr lang="en-US"/>
+          </a:p>
+        </p:txBody>
+      </p:sp>
+      <p:sp>
+        <p:nvSpPr>
+          <p:cNvPr id="4" name="Slide Image Placeholder 3"/>
+          <p:cNvSpPr>
+            <a:spLocks noGrp="1" noRot="1" noChangeAspect="1"/>
+          </p:cNvSpPr>
+          <p:nvPr>
+            <p:ph type="sldImg" idx="2"/>
+          </p:nvPr>
+        </p:nvSpPr>
+        <p:spPr>
+          <a:xfrm>
+            <a:off x="1143000" y="685800"/>
+            <a:ext cx="4572000" cy="3429000"/>
+          </a:xfrm>
+          <a:prstGeom prst="rect">
+            <a:avLst/>
+          </a:prstGeom>
+          <a:noFill/>
+          <a:ln w="12700">
+            <a:solidFill>
+              <a:prstClr val="black"/>
+            </a:solidFill>
+          </a:ln>
+        </p:spPr>
+        <p:txBody>
+          <a:bodyPr vert="horz" lIns="91440" tIns="45720" rIns="91440" bIns="45720" rtlCol="0" anchor="ctr"/>
+          <a:lstStyle/>
+          <a:p>
+            <a:endParaRPr lang="en-US"/>
+          </a:p>
+        </p:txBody>
+      </p:sp>
+      <p:sp>
+        <p:nvSpPr>
+          <p:cNvPr id="5" name="Notes Placeholder 4"/>
+          <p:cNvSpPr>
+            <a:spLocks noGrp="1"/>
+          </p:cNvSpPr>
+          <p:nvPr>
+            <p:ph type="body" sz="quarter" idx="3"/>
+          </p:nvPr>
+        </p:nvSpPr>
+        <p:spPr>
+          <a:xfrm>
+            <a:off x="685800" y="4343400"/>
+            <a:ext cx="5486400" cy="4114800"/>
+          </a:xfrm>
+          <a:prstGeom prst="rect">
+            <a:avLst/>
+          </a:prstGeom>
+        </p:spPr>
+        <p:txBody>
+          <a:bodyPr vert="horz" lIns="91440" tIns="45720" rIns="91440" bIns="45720" rtlCol="0"/>
+          <a:lstStyle/>
+          <a:p>
+            <a:pPr lvl="0"/>
+            <a:r>
+              <a:rPr lang="en-US" smtClean="0"/>
+              <a:t>Click to edit Master text styles</a:t>
+            </a:r>
+          </a:p>
+          <a:p>
+            <a:pPr lvl="1"/>
+            <a:r>
+              <a:rPr lang="en-US" smtClean="0"/>
+              <a:t>Second level</a:t>
+            </a:r>
+          </a:p>
+          <a:p>
+            <a:pPr lvl="2"/>
+            <a:r>
+              <a:rPr lang="en-US" smtClean="0"/>
+              <a:t>Third level</a:t>
+            </a:r>
+          </a:p>
+          <a:p>
+            <a:pPr lvl="3"/>
+            <a:r>
+              <a:rPr lang="en-US" smtClean="0"/>
+              <a:t>Fourth level</a:t>
+            </a:r>
+          </a:p>
+          <a:p>
+            <a:pPr lvl="4"/>
+            <a:r>
+              <a:rPr lang="en-US" smtClean="0"/>
+              <a:t>Fifth level</a:t>
+            </a:r>
+            <a:endParaRPr lang="en-US"/>
+          </a:p>
+        </p:txBody>
+      </p:sp>
+      <p:sp>
+        <p:nvSpPr>
+          <p:cNvPr id="6" name="Footer Placeholder 5"/>
+          <p:cNvSpPr>
+            <a:spLocks noGrp="1"/>
+          </p:cNvSpPr>
+          <p:nvPr>
+            <p:ph type="ftr" sz="quarter" idx="4"/>
+          </p:nvPr>
+        </p:nvSpPr>
+        <p:spPr>
+          <a:xfrm>
+            <a:off x="0" y="8685213"/>
+            <a:ext cx="2971800" cy="457200"/>
+          </a:xfrm>
+          <a:prstGeom prst="rect">
+            <a:avLst/>
+          </a:prstGeom>
+        </p:spPr>
+        <p:txBody>
+          <a:bodyPr vert="horz" lIns="91440" tIns="45720" rIns="91440" bIns="45720" rtlCol="0" anchor="b"/>
+          <a:lstStyle>
+            <a:lvl1pPr algn="l">
+              <a:defRPr sz="1200"/>
+            </a:lvl1pPr>
+          </a:lstStyle>
+          <a:p>
+            <a:endParaRPr lang="en-US"/>
+          </a:p>
+        </p:txBody>
+      </p:sp>
+      <p:sp>
+        <p:nvSpPr>
+          <p:cNvPr id="7" name="Slide Number Placeholder 6"/>
+          <p:cNvSpPr>
+            <a:spLocks noGrp="1"/>
+          </p:cNvSpPr>
+          <p:nvPr>
+            <p:ph type="sldNum" sz="quarter" idx="5"/>
+          </p:nvPr>
+        </p:nvSpPr>
+        <p:spPr>
+          <a:xfrm>
+            <a:off x="3884613" y="8685213"/>
+            <a:ext cx="2971800" cy="457200"/>
+          </a:xfrm>
+          <a:prstGeom prst="rect">
+            <a:avLst/>
+          </a:prstGeom>
+        </p:spPr>
+        <p:txBody>
+          <a:bodyPr vert="horz" lIns="91440" tIns="45720" rIns="91440" bIns="45720" rtlCol="0" anchor="b"/>
+          <a:lstStyle>
+            <a:lvl1pPr algn="r">
+              <a:defRPr sz="1200"/>
+            </a:lvl1pPr>
+          </a:lstStyle>
+          <a:p>
+            <a:fld id="{3C6F2BF0-7A39-4712-9566-E532FA8F3AB9}" type="slidenum">
+              <a:rPr lang="en-US" smtClean="0"/>
+              <a:t>‹#›</a:t>
+            </a:fld>
+            <a:endParaRPr lang="en-US"/>
+          </a:p>
+        </p:txBody>
+      </p:sp>
+    </p:spTree>
+    <p:extLst>
+      <p:ext uri="{BB962C8B-B14F-4D97-AF65-F5344CB8AC3E}">
+        <p14:creationId xmlns:p14="http://schemas.microsoft.com/office/powerpoint/2010/main" val="4009273245"/>
+      </p:ext>
+    </p:extLst>
+  </p:cSld>
+  <p:clrMap bg1="lt1" tx1="dk1" bg2="lt2" tx2="dk2" accent1="accent1" accent2="accent2" accent3="accent3" accent4="accent4" accent5="accent5" accent6="accent6" hlink="hlink" folHlink="folHlink"/>
+  <p:notesStyle>
+    <a:lvl1pPr marL="0" algn="l" defTabSz="914400" rtl="0" eaLnBrk="1" latinLnBrk="0" hangingPunct="1">
+      <a:defRPr sz="1200" kern="1200">
+        <a:solidFill>
+          <a:schemeClr val="tx1"/>
+        </a:solidFill>
+        <a:latin typeface="+mn-lt"/>
+        <a:ea typeface="+mn-ea"/>
+        <a:cs typeface="+mn-cs"/>
+      </a:defRPr>
+    </a:lvl1pPr>
+    <a:lvl2pPr marL="457200" algn="l" defTabSz="914400" rtl="0" eaLnBrk="1" latinLnBrk="0" hangingPunct="1">
+      <a:defRPr sz="1200" kern="1200">
+        <a:solidFill>
+          <a:schemeClr val="tx1"/>
+        </a:solidFill>
+        <a:latin typeface="+mn-lt"/>
+        <a:ea typeface="+mn-ea"/>
+        <a:cs typeface="+mn-cs"/>
+      </a:defRPr>
+    </a:lvl2pPr>
+    <a:lvl3pPr marL="914400" algn="l" defTabSz="914400" rtl="0" eaLnBrk="1" latinLnBrk="0" hangingPunct="1">
+      <a:defRPr sz="1200" kern="1200">
+        <a:solidFill>
+          <a:schemeClr val="tx1"/>
+        </a:solidFill>
+        <a:latin typeface="+mn-lt"/>
+        <a:ea typeface="+mn-ea"/>
+        <a:cs typeface="+mn-cs"/>
+      </a:defRPr>
+    </a:lvl3pPr>
+    <a:lvl4pPr marL="1371600" algn="l" defTabSz="914400" rtl="0" eaLnBrk="1" latinLnBrk="0" hangingPunct="1">
+      <a:defRPr sz="1200" kern="1200">
+        <a:solidFill>
+          <a:schemeClr val="tx1"/>
+        </a:solidFill>
+        <a:latin typeface="+mn-lt"/>
+        <a:ea typeface="+mn-ea"/>
+        <a:cs typeface="+mn-cs"/>
+      </a:defRPr>
+    </a:lvl4pPr>
+    <a:lvl5pPr marL="1828800" algn="l" defTabSz="914400" rtl="0" eaLnBrk="1" latinLnBrk="0" hangingPunct="1">
+      <a:defRPr sz="1200" kern="1200">
+        <a:solidFill>
+          <a:schemeClr val="tx1"/>
+        </a:solidFill>
+        <a:latin typeface="+mn-lt"/>
+        <a:ea typeface="+mn-ea"/>
+        <a:cs typeface="+mn-cs"/>
+      </a:defRPr>
+    </a:lvl5pPr>
+    <a:lvl6pPr marL="2286000" algn="l" defTabSz="914400" rtl="0" eaLnBrk="1" latinLnBrk="0" hangingPunct="1">
+      <a:defRPr sz="1200" kern="1200">
+        <a:solidFill>
+          <a:schemeClr val="tx1"/>
+        </a:solidFill>
+        <a:latin typeface="+mn-lt"/>
+        <a:ea typeface="+mn-ea"/>
+        <a:cs typeface="+mn-cs"/>
+      </a:defRPr>
+    </a:lvl6pPr>
+    <a:lvl7pPr marL="2743200" algn="l" defTabSz="914400" rtl="0" eaLnBrk="1" latinLnBrk="0" hangingPunct="1">
+      <a:defRPr sz="1200" kern="1200">
+        <a:solidFill>
+          <a:schemeClr val="tx1"/>
+        </a:solidFill>
+        <a:latin typeface="+mn-lt"/>
+        <a:ea typeface="+mn-ea"/>
+        <a:cs typeface="+mn-cs"/>
+      </a:defRPr>
+    </a:lvl7pPr>
+    <a:lvl8pPr marL="3200400" algn="l" defTabSz="914400" rtl="0" eaLnBrk="1" latinLnBrk="0" hangingPunct="1">
+      <a:defRPr sz="1200" kern="1200">
+        <a:solidFill>
+          <a:schemeClr val="tx1"/>
+        </a:solidFill>
+        <a:latin typeface="+mn-lt"/>
+        <a:ea typeface="+mn-ea"/>
+        <a:cs typeface="+mn-cs"/>
+      </a:defRPr>
+    </a:lvl8pPr>
+    <a:lvl9pPr marL="3657600" algn="l" defTabSz="914400" rtl="0" eaLnBrk="1" latinLnBrk="0" hangingPunct="1">
+      <a:defRPr sz="1200" kern="1200">
+        <a:solidFill>
+          <a:schemeClr val="tx1"/>
+        </a:solidFill>
+        <a:latin typeface="+mn-lt"/>
+        <a:ea typeface="+mn-ea"/>
+        <a:cs typeface="+mn-cs"/>
+      </a:defRPr>
+    </a:lvl9pPr>
+  </p:notesStyle>
+</p:notesMaster>
+</file>
+
+<file path=ppt/notesSlides/notesSlide1.xml><?xml version="1.0" encoding="utf-8"?>
+<p:notes xmlns:a="http://schemas.openxmlformats.org/drawingml/2006/main" xmlns:r="http://schemas.openxmlformats.org/officeDocument/2006/relationships" xmlns:p="http://schemas.openxmlformats.org/presentationml/2006/main">
+  <p:cSld>
+    <p:spTree>
+      <p:nvGrpSpPr>
+        <p:cNvPr id="1" name=""/>
+        <p:cNvGrpSpPr/>
+        <p:nvPr/>
+      </p:nvGrpSpPr>
+      <p:grpSpPr>
+        <a:xfrm>
+          <a:off x="0" y="0"/>
+          <a:ext cx="0" cy="0"/>
+          <a:chOff x="0" y="0"/>
+          <a:chExt cx="0" cy="0"/>
+        </a:xfrm>
+      </p:grpSpPr>
+      <p:sp>
+        <p:nvSpPr>
+          <p:cNvPr id="2" name="Slide Image Placeholder 1"/>
+          <p:cNvSpPr>
+            <a:spLocks noGrp="1" noRot="1" noChangeAspect="1"/>
+          </p:cNvSpPr>
+          <p:nvPr>
+            <p:ph type="sldImg"/>
+          </p:nvPr>
+        </p:nvSpPr>
+        <p:spPr/>
+      </p:sp>
+      <p:sp>
+        <p:nvSpPr>
+          <p:cNvPr id="3" name="Notes Placeholder 2"/>
+          <p:cNvSpPr>
+            <a:spLocks noGrp="1"/>
+          </p:cNvSpPr>
+          <p:nvPr>
+            <p:ph type="body" idx="1"/>
+          </p:nvPr>
+        </p:nvSpPr>
+        <p:spPr/>
+        <p:txBody>
+          <a:bodyPr/>
+          <a:lstStyle/>
+          <a:p>
+            <a:r>
+              <a:rPr lang="en-US" dirty="0" smtClean="0"/>
+              <a:t>How did I start?</a:t>
+            </a:r>
+          </a:p>
+          <a:p>
+            <a:r>
+              <a:rPr lang="en-US" dirty="0" smtClean="0"/>
+              <a:t>What am I doing now?</a:t>
+            </a:r>
+          </a:p>
+          <a:p>
+            <a:endParaRPr lang="en-US" dirty="0" smtClean="0"/>
+          </a:p>
+          <a:p>
+            <a:r>
+              <a:rPr lang="en-US" dirty="0" smtClean="0"/>
+              <a:t>Personal background from students </a:t>
+            </a:r>
+            <a:endParaRPr lang="en-US" dirty="0"/>
+          </a:p>
+        </p:txBody>
+      </p:sp>
+      <p:sp>
+        <p:nvSpPr>
+          <p:cNvPr id="4" name="Slide Number Placeholder 3"/>
+          <p:cNvSpPr>
+            <a:spLocks noGrp="1"/>
+          </p:cNvSpPr>
+          <p:nvPr>
+            <p:ph type="sldNum" sz="quarter" idx="10"/>
+          </p:nvPr>
+        </p:nvSpPr>
+        <p:spPr/>
+        <p:txBody>
+          <a:bodyPr/>
+          <a:lstStyle/>
+          <a:p>
+            <a:fld id="{3C6F2BF0-7A39-4712-9566-E532FA8F3AB9}" type="slidenum">
+              <a:rPr lang="en-US" smtClean="0"/>
+              <a:t>3</a:t>
+            </a:fld>
+            <a:endParaRPr lang="en-US"/>
+          </a:p>
+        </p:txBody>
+      </p:sp>
+    </p:spTree>
+    <p:extLst>
+      <p:ext uri="{BB962C8B-B14F-4D97-AF65-F5344CB8AC3E}">
+        <p14:creationId xmlns:p14="http://schemas.microsoft.com/office/powerpoint/2010/main" val="345974953"/>
+      </p:ext>
+    </p:extLst>
+  </p:cSld>
+  <p:clrMapOvr>
+    <a:masterClrMapping/>
+  </p:clrMapOvr>
+</p:notes>
+</file>
+
+<file path=ppt/notesSlides/notesSlide10.xml><?xml version="1.0" encoding="utf-8"?>
+<p:notes xmlns:a="http://schemas.openxmlformats.org/drawingml/2006/main" xmlns:r="http://schemas.openxmlformats.org/officeDocument/2006/relationships" xmlns:p="http://schemas.openxmlformats.org/presentationml/2006/main">
+  <p:cSld>
+    <p:spTree>
+      <p:nvGrpSpPr>
+        <p:cNvPr id="1" name=""/>
+        <p:cNvGrpSpPr/>
+        <p:nvPr/>
+      </p:nvGrpSpPr>
+      <p:grpSpPr>
+        <a:xfrm>
+          <a:off x="0" y="0"/>
+          <a:ext cx="0" cy="0"/>
+          <a:chOff x="0" y="0"/>
+          <a:chExt cx="0" cy="0"/>
+        </a:xfrm>
+      </p:grpSpPr>
+      <p:sp>
+        <p:nvSpPr>
+          <p:cNvPr id="2" name="Slide Image Placeholder 1"/>
+          <p:cNvSpPr>
+            <a:spLocks noGrp="1" noRot="1" noChangeAspect="1"/>
+          </p:cNvSpPr>
+          <p:nvPr>
+            <p:ph type="sldImg"/>
+          </p:nvPr>
+        </p:nvSpPr>
+        <p:spPr/>
+      </p:sp>
+      <p:sp>
+        <p:nvSpPr>
+          <p:cNvPr id="3" name="Notes Placeholder 2"/>
+          <p:cNvSpPr>
+            <a:spLocks noGrp="1"/>
+          </p:cNvSpPr>
+          <p:nvPr>
+            <p:ph type="body" idx="1"/>
+          </p:nvPr>
+        </p:nvSpPr>
+        <p:spPr/>
+        <p:txBody>
+          <a:bodyPr/>
+          <a:lstStyle/>
+          <a:p>
+            <a:r>
+              <a:rPr lang="en-US" dirty="0" smtClean="0"/>
+              <a:t>Time to play a game of war</a:t>
+            </a:r>
+            <a:endParaRPr lang="en-US" dirty="0"/>
+          </a:p>
+        </p:txBody>
+      </p:sp>
+      <p:sp>
+        <p:nvSpPr>
+          <p:cNvPr id="4" name="Slide Number Placeholder 3"/>
+          <p:cNvSpPr>
+            <a:spLocks noGrp="1"/>
+          </p:cNvSpPr>
+          <p:nvPr>
+            <p:ph type="sldNum" sz="quarter" idx="10"/>
+          </p:nvPr>
+        </p:nvSpPr>
+        <p:spPr/>
+        <p:txBody>
+          <a:bodyPr/>
+          <a:lstStyle/>
+          <a:p>
+            <a:fld id="{3C6F2BF0-7A39-4712-9566-E532FA8F3AB9}" type="slidenum">
+              <a:rPr lang="en-US" smtClean="0"/>
+              <a:t>13</a:t>
+            </a:fld>
+            <a:endParaRPr lang="en-US"/>
+          </a:p>
+        </p:txBody>
+      </p:sp>
+    </p:spTree>
+    <p:extLst>
+      <p:ext uri="{BB962C8B-B14F-4D97-AF65-F5344CB8AC3E}">
+        <p14:creationId xmlns:p14="http://schemas.microsoft.com/office/powerpoint/2010/main" val="819248074"/>
+      </p:ext>
+    </p:extLst>
+  </p:cSld>
+  <p:clrMapOvr>
+    <a:masterClrMapping/>
+  </p:clrMapOvr>
+</p:notes>
+</file>
+
+<file path=ppt/notesSlides/notesSlide2.xml><?xml version="1.0" encoding="utf-8"?>
+<p:notes xmlns:a="http://schemas.openxmlformats.org/drawingml/2006/main" xmlns:r="http://schemas.openxmlformats.org/officeDocument/2006/relationships" xmlns:p="http://schemas.openxmlformats.org/presentationml/2006/main">
+  <p:cSld>
+    <p:spTree>
+      <p:nvGrpSpPr>
+        <p:cNvPr id="1" name=""/>
+        <p:cNvGrpSpPr/>
+        <p:nvPr/>
+      </p:nvGrpSpPr>
+      <p:grpSpPr>
+        <a:xfrm>
+          <a:off x="0" y="0"/>
+          <a:ext cx="0" cy="0"/>
+          <a:chOff x="0" y="0"/>
+          <a:chExt cx="0" cy="0"/>
+        </a:xfrm>
+      </p:grpSpPr>
+      <p:sp>
+        <p:nvSpPr>
+          <p:cNvPr id="2" name="Slide Image Placeholder 1"/>
+          <p:cNvSpPr>
+            <a:spLocks noGrp="1" noRot="1" noChangeAspect="1"/>
+          </p:cNvSpPr>
+          <p:nvPr>
+            <p:ph type="sldImg"/>
+          </p:nvPr>
+        </p:nvSpPr>
+        <p:spPr/>
+      </p:sp>
+      <p:sp>
+        <p:nvSpPr>
+          <p:cNvPr id="3" name="Notes Placeholder 2"/>
+          <p:cNvSpPr>
+            <a:spLocks noGrp="1"/>
+          </p:cNvSpPr>
+          <p:nvPr>
+            <p:ph type="body" idx="1"/>
+          </p:nvPr>
+        </p:nvSpPr>
+        <p:spPr/>
+        <p:txBody>
+          <a:bodyPr/>
+          <a:lstStyle/>
+          <a:p>
+            <a:r>
+              <a:rPr lang="en-US" dirty="0" smtClean="0"/>
+              <a:t>Prototype?</a:t>
+            </a:r>
+          </a:p>
+          <a:p>
+            <a:endParaRPr lang="en-US" dirty="0" smtClean="0"/>
+          </a:p>
+          <a:p>
+            <a:r>
+              <a:rPr lang="en-US" dirty="0" smtClean="0"/>
+              <a:t>Funny wow stories</a:t>
+            </a:r>
+          </a:p>
+          <a:p>
+            <a:r>
+              <a:rPr lang="en-US" dirty="0" smtClean="0"/>
+              <a:t>	Kaplan’s story</a:t>
+            </a:r>
+            <a:r>
+              <a:rPr lang="en-US" baseline="0" dirty="0" smtClean="0"/>
+              <a:t> (Marcus Jonathan)</a:t>
+            </a:r>
+          </a:p>
+          <a:p>
+            <a:r>
+              <a:rPr lang="en-US" sz="1200" b="0" i="0" kern="1200" dirty="0" smtClean="0">
+                <a:solidFill>
+                  <a:schemeClr val="tx1"/>
+                </a:solidFill>
+                <a:effectLst/>
+                <a:latin typeface="+mn-lt"/>
+                <a:ea typeface="+mn-ea"/>
+                <a:cs typeface="+mn-cs"/>
+              </a:rPr>
+              <a:t>In Mists of </a:t>
+            </a:r>
+            <a:r>
+              <a:rPr lang="en-US" sz="1200" b="0" i="0" kern="1200" dirty="0" err="1" smtClean="0">
+                <a:solidFill>
+                  <a:schemeClr val="tx1"/>
+                </a:solidFill>
+                <a:effectLst/>
+                <a:latin typeface="+mn-lt"/>
+                <a:ea typeface="+mn-ea"/>
+                <a:cs typeface="+mn-cs"/>
+              </a:rPr>
+              <a:t>Pandaria</a:t>
+            </a:r>
+            <a:r>
+              <a:rPr lang="en-US" sz="1200" b="0" i="0" kern="1200" dirty="0" smtClean="0">
+                <a:solidFill>
+                  <a:schemeClr val="tx1"/>
+                </a:solidFill>
+                <a:effectLst/>
+                <a:latin typeface="+mn-lt"/>
+                <a:ea typeface="+mn-ea"/>
+                <a:cs typeface="+mn-cs"/>
+              </a:rPr>
+              <a:t>, General Marcus Jonathan was killed at the </a:t>
+            </a:r>
+            <a:r>
+              <a:rPr lang="en-US" sz="1200" b="0" i="0" u="none" strike="noStrike" kern="1200" dirty="0" smtClean="0">
+                <a:solidFill>
+                  <a:schemeClr val="tx1"/>
+                </a:solidFill>
+                <a:effectLst/>
+                <a:latin typeface="+mn-lt"/>
+                <a:ea typeface="+mn-ea"/>
+                <a:cs typeface="+mn-cs"/>
+                <a:hlinkClick r:id="rId3" tooltip="Battle for Theramore"/>
+              </a:rPr>
+              <a:t>Battle for </a:t>
+            </a:r>
+            <a:r>
+              <a:rPr lang="en-US" sz="1200" b="0" i="0" u="none" strike="noStrike" kern="1200" dirty="0" err="1" smtClean="0">
+                <a:solidFill>
+                  <a:schemeClr val="tx1"/>
+                </a:solidFill>
+                <a:effectLst/>
+                <a:latin typeface="+mn-lt"/>
+                <a:ea typeface="+mn-ea"/>
+                <a:cs typeface="+mn-cs"/>
+                <a:hlinkClick r:id="rId3" tooltip="Battle for Theramore"/>
+              </a:rPr>
+              <a:t>Theramore</a:t>
+            </a:r>
+            <a:r>
+              <a:rPr lang="en-US" sz="1200" b="0" i="0" kern="1200" dirty="0" smtClean="0">
+                <a:solidFill>
+                  <a:schemeClr val="tx1"/>
+                </a:solidFill>
+                <a:effectLst/>
+                <a:latin typeface="+mn-lt"/>
+                <a:ea typeface="+mn-ea"/>
+                <a:cs typeface="+mn-cs"/>
+              </a:rPr>
+              <a:t>, he was replaced by  </a:t>
+            </a:r>
+            <a:r>
+              <a:rPr lang="en-US" sz="1200" b="0" i="0" u="none" strike="noStrike" kern="1200" dirty="0" smtClean="0">
+                <a:solidFill>
+                  <a:schemeClr val="tx1"/>
+                </a:solidFill>
+                <a:effectLst/>
+                <a:latin typeface="+mn-lt"/>
+                <a:ea typeface="+mn-ea"/>
+                <a:cs typeface="+mn-cs"/>
+                <a:hlinkClick r:id="rId4" tooltip="General Hammond Clay"/>
+              </a:rPr>
+              <a:t>General Hammond Clay</a:t>
+            </a:r>
+            <a:r>
+              <a:rPr lang="en-US" sz="1200" b="0" i="0" kern="1200" dirty="0" smtClean="0">
+                <a:solidFill>
+                  <a:schemeClr val="tx1"/>
+                </a:solidFill>
+                <a:effectLst/>
+                <a:latin typeface="+mn-lt"/>
+                <a:ea typeface="+mn-ea"/>
+                <a:cs typeface="+mn-cs"/>
+              </a:rPr>
+              <a:t> </a:t>
+            </a:r>
+            <a:r>
+              <a:rPr lang="en-US" dirty="0" smtClean="0"/>
+              <a:t>&lt;High Commander of </a:t>
+            </a:r>
+            <a:r>
+              <a:rPr lang="en-US" dirty="0" err="1" smtClean="0"/>
+              <a:t>Stormwind</a:t>
+            </a:r>
+            <a:r>
+              <a:rPr lang="en-US" dirty="0" smtClean="0"/>
+              <a:t> Defense&gt;</a:t>
+            </a:r>
+            <a:r>
+              <a:rPr lang="en-US" sz="1200" b="0" i="0" kern="1200" dirty="0" smtClean="0">
+                <a:solidFill>
+                  <a:schemeClr val="tx1"/>
+                </a:solidFill>
+                <a:effectLst/>
+                <a:latin typeface="+mn-lt"/>
+                <a:ea typeface="+mn-ea"/>
+                <a:cs typeface="+mn-cs"/>
+              </a:rPr>
+              <a:t>.</a:t>
+            </a:r>
+            <a:endParaRPr lang="en-US" dirty="0"/>
+          </a:p>
+        </p:txBody>
+      </p:sp>
+      <p:sp>
+        <p:nvSpPr>
+          <p:cNvPr id="4" name="Slide Number Placeholder 3"/>
+          <p:cNvSpPr>
+            <a:spLocks noGrp="1"/>
+          </p:cNvSpPr>
+          <p:nvPr>
+            <p:ph type="sldNum" sz="quarter" idx="10"/>
+          </p:nvPr>
+        </p:nvSpPr>
+        <p:spPr/>
+        <p:txBody>
+          <a:bodyPr/>
+          <a:lstStyle/>
+          <a:p>
+            <a:fld id="{3C6F2BF0-7A39-4712-9566-E532FA8F3AB9}" type="slidenum">
+              <a:rPr lang="en-US" smtClean="0"/>
+              <a:t>4</a:t>
+            </a:fld>
+            <a:endParaRPr lang="en-US"/>
+          </a:p>
+        </p:txBody>
+      </p:sp>
+    </p:spTree>
+    <p:extLst>
+      <p:ext uri="{BB962C8B-B14F-4D97-AF65-F5344CB8AC3E}">
+        <p14:creationId xmlns:p14="http://schemas.microsoft.com/office/powerpoint/2010/main" val="1869510595"/>
+      </p:ext>
+    </p:extLst>
+  </p:cSld>
+  <p:clrMapOvr>
+    <a:masterClrMapping/>
+  </p:clrMapOvr>
+</p:notes>
+</file>
+
+<file path=ppt/notesSlides/notesSlide3.xml><?xml version="1.0" encoding="utf-8"?>
+<p:notes xmlns:a="http://schemas.openxmlformats.org/drawingml/2006/main" xmlns:r="http://schemas.openxmlformats.org/officeDocument/2006/relationships" xmlns:p="http://schemas.openxmlformats.org/presentationml/2006/main">
+  <p:cSld>
+    <p:spTree>
+      <p:nvGrpSpPr>
+        <p:cNvPr id="1" name=""/>
+        <p:cNvGrpSpPr/>
+        <p:nvPr/>
+      </p:nvGrpSpPr>
+      <p:grpSpPr>
+        <a:xfrm>
+          <a:off x="0" y="0"/>
+          <a:ext cx="0" cy="0"/>
+          <a:chOff x="0" y="0"/>
+          <a:chExt cx="0" cy="0"/>
+        </a:xfrm>
+      </p:grpSpPr>
+      <p:sp>
+        <p:nvSpPr>
+          <p:cNvPr id="2" name="Slide Image Placeholder 1"/>
+          <p:cNvSpPr>
+            <a:spLocks noGrp="1" noRot="1" noChangeAspect="1"/>
+          </p:cNvSpPr>
+          <p:nvPr>
+            <p:ph type="sldImg"/>
+          </p:nvPr>
+        </p:nvSpPr>
+        <p:spPr/>
+      </p:sp>
+      <p:sp>
+        <p:nvSpPr>
+          <p:cNvPr id="3" name="Notes Placeholder 2"/>
+          <p:cNvSpPr>
+            <a:spLocks noGrp="1"/>
+          </p:cNvSpPr>
+          <p:nvPr>
+            <p:ph type="body" idx="1"/>
+          </p:nvPr>
+        </p:nvSpPr>
+        <p:spPr/>
+        <p:txBody>
+          <a:bodyPr/>
+          <a:lstStyle/>
+          <a:p>
+            <a:r>
+              <a:rPr lang="en-US" dirty="0" smtClean="0"/>
+              <a:t>What features are common in other MMOs?</a:t>
+            </a:r>
+            <a:endParaRPr lang="en-US" dirty="0"/>
+          </a:p>
+        </p:txBody>
+      </p:sp>
+      <p:sp>
+        <p:nvSpPr>
+          <p:cNvPr id="4" name="Slide Number Placeholder 3"/>
+          <p:cNvSpPr>
+            <a:spLocks noGrp="1"/>
+          </p:cNvSpPr>
+          <p:nvPr>
+            <p:ph type="sldNum" sz="quarter" idx="10"/>
+          </p:nvPr>
+        </p:nvSpPr>
+        <p:spPr/>
+        <p:txBody>
+          <a:bodyPr/>
+          <a:lstStyle/>
+          <a:p>
+            <a:fld id="{3C6F2BF0-7A39-4712-9566-E532FA8F3AB9}" type="slidenum">
+              <a:rPr lang="en-US" smtClean="0"/>
+              <a:t>5</a:t>
+            </a:fld>
+            <a:endParaRPr lang="en-US"/>
+          </a:p>
+        </p:txBody>
+      </p:sp>
+    </p:spTree>
+    <p:extLst>
+      <p:ext uri="{BB962C8B-B14F-4D97-AF65-F5344CB8AC3E}">
+        <p14:creationId xmlns:p14="http://schemas.microsoft.com/office/powerpoint/2010/main" val="1991090026"/>
+      </p:ext>
+    </p:extLst>
+  </p:cSld>
+  <p:clrMapOvr>
+    <a:masterClrMapping/>
+  </p:clrMapOvr>
+</p:notes>
+</file>
+
+<file path=ppt/notesSlides/notesSlide4.xml><?xml version="1.0" encoding="utf-8"?>
+<p:notes xmlns:a="http://schemas.openxmlformats.org/drawingml/2006/main" xmlns:r="http://schemas.openxmlformats.org/officeDocument/2006/relationships" xmlns:p="http://schemas.openxmlformats.org/presentationml/2006/main">
+  <p:cSld>
+    <p:spTree>
+      <p:nvGrpSpPr>
+        <p:cNvPr id="1" name=""/>
+        <p:cNvGrpSpPr/>
+        <p:nvPr/>
+      </p:nvGrpSpPr>
+      <p:grpSpPr>
+        <a:xfrm>
+          <a:off x="0" y="0"/>
+          <a:ext cx="0" cy="0"/>
+          <a:chOff x="0" y="0"/>
+          <a:chExt cx="0" cy="0"/>
+        </a:xfrm>
+      </p:grpSpPr>
+      <p:sp>
+        <p:nvSpPr>
+          <p:cNvPr id="2" name="Slide Image Placeholder 1"/>
+          <p:cNvSpPr>
+            <a:spLocks noGrp="1" noRot="1" noChangeAspect="1"/>
+          </p:cNvSpPr>
+          <p:nvPr>
+            <p:ph type="sldImg"/>
+          </p:nvPr>
+        </p:nvSpPr>
+        <p:spPr/>
+      </p:sp>
+      <p:sp>
+        <p:nvSpPr>
+          <p:cNvPr id="3" name="Notes Placeholder 2"/>
+          <p:cNvSpPr>
+            <a:spLocks noGrp="1"/>
+          </p:cNvSpPr>
+          <p:nvPr>
+            <p:ph type="body" idx="1"/>
+          </p:nvPr>
+        </p:nvSpPr>
+        <p:spPr/>
+        <p:txBody>
+          <a:bodyPr/>
+          <a:lstStyle/>
+          <a:p>
+            <a:endParaRPr lang="en-US" dirty="0"/>
+          </a:p>
+        </p:txBody>
+      </p:sp>
+      <p:sp>
+        <p:nvSpPr>
+          <p:cNvPr id="4" name="Slide Number Placeholder 3"/>
+          <p:cNvSpPr>
+            <a:spLocks noGrp="1"/>
+          </p:cNvSpPr>
+          <p:nvPr>
+            <p:ph type="sldNum" sz="quarter" idx="10"/>
+          </p:nvPr>
+        </p:nvSpPr>
+        <p:spPr/>
+        <p:txBody>
+          <a:bodyPr/>
+          <a:lstStyle/>
+          <a:p>
+            <a:fld id="{3C6F2BF0-7A39-4712-9566-E532FA8F3AB9}" type="slidenum">
+              <a:rPr lang="en-US" smtClean="0"/>
+              <a:t>6</a:t>
+            </a:fld>
+            <a:endParaRPr lang="en-US"/>
+          </a:p>
+        </p:txBody>
+      </p:sp>
+    </p:spTree>
+    <p:extLst>
+      <p:ext uri="{BB962C8B-B14F-4D97-AF65-F5344CB8AC3E}">
+        <p14:creationId xmlns:p14="http://schemas.microsoft.com/office/powerpoint/2010/main" val="111372803"/>
+      </p:ext>
+    </p:extLst>
+  </p:cSld>
+  <p:clrMapOvr>
+    <a:masterClrMapping/>
+  </p:clrMapOvr>
+</p:notes>
+</file>
+
+<file path=ppt/notesSlides/notesSlide5.xml><?xml version="1.0" encoding="utf-8"?>
+<p:notes xmlns:a="http://schemas.openxmlformats.org/drawingml/2006/main" xmlns:r="http://schemas.openxmlformats.org/officeDocument/2006/relationships" xmlns:p="http://schemas.openxmlformats.org/presentationml/2006/main">
+  <p:cSld>
+    <p:spTree>
+      <p:nvGrpSpPr>
+        <p:cNvPr id="1" name=""/>
+        <p:cNvGrpSpPr/>
+        <p:nvPr/>
+      </p:nvGrpSpPr>
+      <p:grpSpPr>
+        <a:xfrm>
+          <a:off x="0" y="0"/>
+          <a:ext cx="0" cy="0"/>
+          <a:chOff x="0" y="0"/>
+          <a:chExt cx="0" cy="0"/>
+        </a:xfrm>
+      </p:grpSpPr>
+      <p:sp>
+        <p:nvSpPr>
+          <p:cNvPr id="2" name="Slide Image Placeholder 1"/>
+          <p:cNvSpPr>
+            <a:spLocks noGrp="1" noRot="1" noChangeAspect="1"/>
+          </p:cNvSpPr>
+          <p:nvPr>
+            <p:ph type="sldImg"/>
+          </p:nvPr>
+        </p:nvSpPr>
+        <p:spPr/>
+      </p:sp>
+      <p:sp>
+        <p:nvSpPr>
+          <p:cNvPr id="3" name="Notes Placeholder 2"/>
+          <p:cNvSpPr>
+            <a:spLocks noGrp="1"/>
+          </p:cNvSpPr>
+          <p:nvPr>
+            <p:ph type="body" idx="1"/>
+          </p:nvPr>
+        </p:nvSpPr>
+        <p:spPr/>
+        <p:txBody>
+          <a:bodyPr/>
+          <a:lstStyle/>
+          <a:p>
+            <a:r>
+              <a:rPr lang="en-US" dirty="0" smtClean="0"/>
+              <a:t>Syllabus</a:t>
+            </a:r>
+            <a:endParaRPr lang="en-US" dirty="0"/>
+          </a:p>
+        </p:txBody>
+      </p:sp>
+      <p:sp>
+        <p:nvSpPr>
+          <p:cNvPr id="4" name="Slide Number Placeholder 3"/>
+          <p:cNvSpPr>
+            <a:spLocks noGrp="1"/>
+          </p:cNvSpPr>
+          <p:nvPr>
+            <p:ph type="sldNum" sz="quarter" idx="10"/>
+          </p:nvPr>
+        </p:nvSpPr>
+        <p:spPr/>
+        <p:txBody>
+          <a:bodyPr/>
+          <a:lstStyle/>
+          <a:p>
+            <a:fld id="{3C6F2BF0-7A39-4712-9566-E532FA8F3AB9}" type="slidenum">
+              <a:rPr lang="en-US" smtClean="0"/>
+              <a:t>7</a:t>
+            </a:fld>
+            <a:endParaRPr lang="en-US"/>
+          </a:p>
+        </p:txBody>
+      </p:sp>
+    </p:spTree>
+    <p:extLst>
+      <p:ext uri="{BB962C8B-B14F-4D97-AF65-F5344CB8AC3E}">
+        <p14:creationId xmlns:p14="http://schemas.microsoft.com/office/powerpoint/2010/main" val="3931785932"/>
+      </p:ext>
+    </p:extLst>
+  </p:cSld>
+  <p:clrMapOvr>
+    <a:masterClrMapping/>
+  </p:clrMapOvr>
+</p:notes>
+</file>
+
+<file path=ppt/notesSlides/notesSlide6.xml><?xml version="1.0" encoding="utf-8"?>
+<p:notes xmlns:a="http://schemas.openxmlformats.org/drawingml/2006/main" xmlns:r="http://schemas.openxmlformats.org/officeDocument/2006/relationships" xmlns:p="http://schemas.openxmlformats.org/presentationml/2006/main">
+  <p:cSld>
+    <p:spTree>
+      <p:nvGrpSpPr>
+        <p:cNvPr id="1" name=""/>
+        <p:cNvGrpSpPr/>
+        <p:nvPr/>
+      </p:nvGrpSpPr>
+      <p:grpSpPr>
+        <a:xfrm>
+          <a:off x="0" y="0"/>
+          <a:ext cx="0" cy="0"/>
+          <a:chOff x="0" y="0"/>
+          <a:chExt cx="0" cy="0"/>
+        </a:xfrm>
+      </p:grpSpPr>
+      <p:sp>
+        <p:nvSpPr>
+          <p:cNvPr id="2" name="Slide Image Placeholder 1"/>
+          <p:cNvSpPr>
+            <a:spLocks noGrp="1" noRot="1" noChangeAspect="1"/>
+          </p:cNvSpPr>
+          <p:nvPr>
+            <p:ph type="sldImg"/>
+          </p:nvPr>
+        </p:nvSpPr>
+        <p:spPr/>
+      </p:sp>
+      <p:sp>
+        <p:nvSpPr>
+          <p:cNvPr id="3" name="Notes Placeholder 2"/>
+          <p:cNvSpPr>
+            <a:spLocks noGrp="1"/>
+          </p:cNvSpPr>
+          <p:nvPr>
+            <p:ph type="body" idx="1"/>
+          </p:nvPr>
+        </p:nvSpPr>
+        <p:spPr/>
+        <p:txBody>
+          <a:bodyPr/>
+          <a:lstStyle/>
+          <a:p>
+            <a:r>
+              <a:rPr lang="en-US" dirty="0" smtClean="0"/>
+              <a:t>We</a:t>
+            </a:r>
+            <a:r>
+              <a:rPr lang="en-US" baseline="0" dirty="0" smtClean="0"/>
+              <a:t> will be doing analog games for the first two weeks, then every 2 weeks after will be digital prototypes</a:t>
+            </a:r>
+            <a:endParaRPr lang="en-US" dirty="0"/>
+          </a:p>
+        </p:txBody>
+      </p:sp>
+      <p:sp>
+        <p:nvSpPr>
+          <p:cNvPr id="4" name="Slide Number Placeholder 3"/>
+          <p:cNvSpPr>
+            <a:spLocks noGrp="1"/>
+          </p:cNvSpPr>
+          <p:nvPr>
+            <p:ph type="sldNum" sz="quarter" idx="10"/>
+          </p:nvPr>
+        </p:nvSpPr>
+        <p:spPr/>
+        <p:txBody>
+          <a:bodyPr/>
+          <a:lstStyle/>
+          <a:p>
+            <a:fld id="{3C6F2BF0-7A39-4712-9566-E532FA8F3AB9}" type="slidenum">
+              <a:rPr lang="en-US" smtClean="0"/>
+              <a:t>8</a:t>
+            </a:fld>
+            <a:endParaRPr lang="en-US"/>
+          </a:p>
+        </p:txBody>
+      </p:sp>
+    </p:spTree>
+    <p:extLst>
+      <p:ext uri="{BB962C8B-B14F-4D97-AF65-F5344CB8AC3E}">
+        <p14:creationId xmlns:p14="http://schemas.microsoft.com/office/powerpoint/2010/main" val="2768983646"/>
+      </p:ext>
+    </p:extLst>
+  </p:cSld>
+  <p:clrMapOvr>
+    <a:masterClrMapping/>
+  </p:clrMapOvr>
+</p:notes>
+</file>
+
+<file path=ppt/notesSlides/notesSlide7.xml><?xml version="1.0" encoding="utf-8"?>
+<p:notes xmlns:a="http://schemas.openxmlformats.org/drawingml/2006/main" xmlns:r="http://schemas.openxmlformats.org/officeDocument/2006/relationships" xmlns:p="http://schemas.openxmlformats.org/presentationml/2006/main">
+  <p:cSld>
+    <p:spTree>
+      <p:nvGrpSpPr>
+        <p:cNvPr id="1" name=""/>
+        <p:cNvGrpSpPr/>
+        <p:nvPr/>
+      </p:nvGrpSpPr>
+      <p:grpSpPr>
+        <a:xfrm>
+          <a:off x="0" y="0"/>
+          <a:ext cx="0" cy="0"/>
+          <a:chOff x="0" y="0"/>
+          <a:chExt cx="0" cy="0"/>
+        </a:xfrm>
+      </p:grpSpPr>
+      <p:sp>
+        <p:nvSpPr>
+          <p:cNvPr id="2" name="Slide Image Placeholder 1"/>
+          <p:cNvSpPr>
+            <a:spLocks noGrp="1" noRot="1" noChangeAspect="1"/>
+          </p:cNvSpPr>
+          <p:nvPr>
+            <p:ph type="sldImg"/>
+          </p:nvPr>
+        </p:nvSpPr>
+        <p:spPr/>
+      </p:sp>
+      <p:sp>
+        <p:nvSpPr>
+          <p:cNvPr id="3" name="Notes Placeholder 2"/>
+          <p:cNvSpPr>
+            <a:spLocks noGrp="1"/>
+          </p:cNvSpPr>
+          <p:nvPr>
+            <p:ph type="body" idx="1"/>
+          </p:nvPr>
+        </p:nvSpPr>
+        <p:spPr/>
+        <p:txBody>
+          <a:bodyPr/>
+          <a:lstStyle/>
+          <a:p>
+            <a:r>
+              <a:rPr lang="en-US" dirty="0" smtClean="0"/>
+              <a:t>Also Playmaker</a:t>
+            </a:r>
+            <a:endParaRPr lang="en-US" dirty="0"/>
+          </a:p>
+        </p:txBody>
+      </p:sp>
+      <p:sp>
+        <p:nvSpPr>
+          <p:cNvPr id="4" name="Slide Number Placeholder 3"/>
+          <p:cNvSpPr>
+            <a:spLocks noGrp="1"/>
+          </p:cNvSpPr>
+          <p:nvPr>
+            <p:ph type="sldNum" sz="quarter" idx="10"/>
+          </p:nvPr>
+        </p:nvSpPr>
+        <p:spPr/>
+        <p:txBody>
+          <a:bodyPr/>
+          <a:lstStyle/>
+          <a:p>
+            <a:fld id="{3C6F2BF0-7A39-4712-9566-E532FA8F3AB9}" type="slidenum">
+              <a:rPr lang="en-US" smtClean="0"/>
+              <a:t>9</a:t>
+            </a:fld>
+            <a:endParaRPr lang="en-US"/>
+          </a:p>
+        </p:txBody>
+      </p:sp>
+    </p:spTree>
+    <p:extLst>
+      <p:ext uri="{BB962C8B-B14F-4D97-AF65-F5344CB8AC3E}">
+        <p14:creationId xmlns:p14="http://schemas.microsoft.com/office/powerpoint/2010/main" val="2866381995"/>
+      </p:ext>
+    </p:extLst>
+  </p:cSld>
+  <p:clrMapOvr>
+    <a:masterClrMapping/>
+  </p:clrMapOvr>
+</p:notes>
+</file>
+
+<file path=ppt/notesSlides/notesSlide8.xml><?xml version="1.0" encoding="utf-8"?>
+<p:notes xmlns:a="http://schemas.openxmlformats.org/drawingml/2006/main" xmlns:r="http://schemas.openxmlformats.org/officeDocument/2006/relationships" xmlns:p="http://schemas.openxmlformats.org/presentationml/2006/main">
+  <p:cSld>
+    <p:spTree>
+      <p:nvGrpSpPr>
+        <p:cNvPr id="1" name=""/>
+        <p:cNvGrpSpPr/>
+        <p:nvPr/>
+      </p:nvGrpSpPr>
+      <p:grpSpPr>
+        <a:xfrm>
+          <a:off x="0" y="0"/>
+          <a:ext cx="0" cy="0"/>
+          <a:chOff x="0" y="0"/>
+          <a:chExt cx="0" cy="0"/>
+        </a:xfrm>
+      </p:grpSpPr>
+      <p:sp>
+        <p:nvSpPr>
+          <p:cNvPr id="2" name="Slide Image Placeholder 1"/>
+          <p:cNvSpPr>
+            <a:spLocks noGrp="1" noRot="1" noChangeAspect="1"/>
+          </p:cNvSpPr>
+          <p:nvPr>
+            <p:ph type="sldImg"/>
+          </p:nvPr>
+        </p:nvSpPr>
+        <p:spPr/>
+      </p:sp>
+      <p:sp>
+        <p:nvSpPr>
+          <p:cNvPr id="3" name="Notes Placeholder 2"/>
+          <p:cNvSpPr>
+            <a:spLocks noGrp="1"/>
+          </p:cNvSpPr>
+          <p:nvPr>
+            <p:ph type="body" idx="1"/>
+          </p:nvPr>
+        </p:nvSpPr>
+        <p:spPr/>
+        <p:txBody>
+          <a:bodyPr/>
+          <a:lstStyle/>
+          <a:p>
+            <a:pPr fontAlgn="base"/>
+            <a:r>
+              <a:rPr lang="en-US" sz="1200" b="0" i="0" kern="1200" dirty="0" smtClean="0">
+                <a:solidFill>
+                  <a:schemeClr val="tx1"/>
+                </a:solidFill>
+                <a:effectLst/>
+                <a:latin typeface="+mn-lt"/>
+                <a:ea typeface="+mn-ea"/>
+                <a:cs typeface="+mn-cs"/>
+              </a:rPr>
+              <a:t>Realize your creative vision without knowing how to program!</a:t>
+            </a:r>
+          </a:p>
+          <a:p>
+            <a:pPr fontAlgn="base"/>
+            <a:r>
+              <a:rPr lang="en-US" sz="1200" b="0" i="0" kern="1200" dirty="0" smtClean="0">
+                <a:solidFill>
+                  <a:schemeClr val="tx1"/>
+                </a:solidFill>
+                <a:effectLst/>
+                <a:latin typeface="+mn-lt"/>
+                <a:ea typeface="+mn-ea"/>
+                <a:cs typeface="+mn-cs"/>
+              </a:rPr>
+              <a:t>Visual state machines are intuitive and powerful for beginners and pros!</a:t>
+            </a:r>
+          </a:p>
+          <a:p>
+            <a:pPr fontAlgn="base"/>
+            <a:r>
+              <a:rPr lang="en-US" sz="1200" b="0" i="0" kern="1200" dirty="0" smtClean="0">
+                <a:solidFill>
+                  <a:schemeClr val="tx1"/>
+                </a:solidFill>
+                <a:effectLst/>
+                <a:latin typeface="+mn-lt"/>
+                <a:ea typeface="+mn-ea"/>
+                <a:cs typeface="+mn-cs"/>
+              </a:rPr>
+              <a:t>Programmers love visual state machines too.</a:t>
+            </a:r>
+          </a:p>
+          <a:p>
+            <a:pPr fontAlgn="base"/>
+            <a:r>
+              <a:rPr lang="en-US" sz="1200" b="0" i="0" kern="1200" dirty="0" smtClean="0">
+                <a:solidFill>
+                  <a:schemeClr val="tx1"/>
+                </a:solidFill>
+                <a:effectLst/>
+                <a:latin typeface="+mn-lt"/>
+                <a:ea typeface="+mn-ea"/>
+                <a:cs typeface="+mn-cs"/>
+              </a:rPr>
+              <a:t>Works with Indie and Pro versions of Unity.</a:t>
+            </a:r>
+          </a:p>
+          <a:p>
+            <a:pPr fontAlgn="base"/>
+            <a:r>
+              <a:rPr lang="en-US" sz="1200" b="0" i="0" kern="1200" dirty="0" smtClean="0">
+                <a:solidFill>
+                  <a:schemeClr val="tx1"/>
+                </a:solidFill>
+                <a:effectLst/>
+                <a:latin typeface="+mn-lt"/>
+                <a:ea typeface="+mn-ea"/>
+                <a:cs typeface="+mn-cs"/>
+              </a:rPr>
+              <a:t>Intuitive Visual Editor</a:t>
+            </a:r>
+          </a:p>
+          <a:p>
+            <a:pPr fontAlgn="base"/>
+            <a:r>
+              <a:rPr lang="en-US" sz="1200" b="0" i="0" kern="1200" dirty="0" smtClean="0">
+                <a:solidFill>
+                  <a:schemeClr val="tx1"/>
+                </a:solidFill>
+                <a:effectLst/>
+                <a:latin typeface="+mn-lt"/>
+                <a:ea typeface="+mn-ea"/>
+                <a:cs typeface="+mn-cs"/>
+              </a:rPr>
+              <a:t>Quickly add States and Actions.</a:t>
+            </a:r>
+          </a:p>
+          <a:p>
+            <a:pPr fontAlgn="base"/>
+            <a:r>
+              <a:rPr lang="en-US" sz="1200" b="0" i="0" kern="1200" dirty="0" smtClean="0">
+                <a:solidFill>
+                  <a:schemeClr val="tx1"/>
+                </a:solidFill>
+                <a:effectLst/>
+                <a:latin typeface="+mn-lt"/>
+                <a:ea typeface="+mn-ea"/>
+                <a:cs typeface="+mn-cs"/>
+              </a:rPr>
+              <a:t>Connect States with Transitions.</a:t>
+            </a:r>
+          </a:p>
+          <a:p>
+            <a:pPr fontAlgn="base"/>
+            <a:r>
+              <a:rPr lang="en-US" sz="1200" b="0" i="0" kern="1200" dirty="0" smtClean="0">
+                <a:solidFill>
+                  <a:schemeClr val="tx1"/>
+                </a:solidFill>
+                <a:effectLst/>
+                <a:latin typeface="+mn-lt"/>
+                <a:ea typeface="+mn-ea"/>
+                <a:cs typeface="+mn-cs"/>
+              </a:rPr>
+              <a:t>Manage Events and Variables.</a:t>
+            </a:r>
+          </a:p>
+          <a:p>
+            <a:pPr fontAlgn="base"/>
+            <a:r>
+              <a:rPr lang="en-US" sz="1200" b="0" i="0" kern="1200" dirty="0" smtClean="0">
+                <a:solidFill>
+                  <a:schemeClr val="tx1"/>
+                </a:solidFill>
+                <a:effectLst/>
+                <a:latin typeface="+mn-lt"/>
+                <a:ea typeface="+mn-ea"/>
+                <a:cs typeface="+mn-cs"/>
+              </a:rPr>
+              <a:t>Save time with Templates and Copy/Paste.</a:t>
+            </a:r>
+          </a:p>
+          <a:p>
+            <a:pPr fontAlgn="base"/>
+            <a:r>
+              <a:rPr lang="en-US" sz="1200" b="0" i="0" kern="1200" dirty="0" smtClean="0">
+                <a:solidFill>
+                  <a:schemeClr val="tx1"/>
+                </a:solidFill>
+                <a:effectLst/>
+                <a:latin typeface="+mn-lt"/>
+                <a:ea typeface="+mn-ea"/>
+                <a:cs typeface="+mn-cs"/>
+              </a:rPr>
+              <a:t>Integrated Help.</a:t>
+            </a:r>
+          </a:p>
+          <a:p>
+            <a:pPr fontAlgn="base"/>
+            <a:r>
+              <a:rPr lang="en-US" sz="1200" b="0" i="0" kern="1200" dirty="0" smtClean="0">
+                <a:solidFill>
+                  <a:schemeClr val="tx1"/>
+                </a:solidFill>
+                <a:effectLst/>
+                <a:latin typeface="+mn-lt"/>
+                <a:ea typeface="+mn-ea"/>
+                <a:cs typeface="+mn-cs"/>
+              </a:rPr>
+              <a:t>Powerful Debugging</a:t>
+            </a:r>
+          </a:p>
+          <a:p>
+            <a:pPr fontAlgn="base"/>
+            <a:r>
+              <a:rPr lang="en-US" sz="1200" b="0" i="0" kern="1200" dirty="0" err="1" smtClean="0">
+                <a:solidFill>
+                  <a:schemeClr val="tx1"/>
+                </a:solidFill>
+                <a:effectLst/>
+                <a:latin typeface="+mn-lt"/>
+                <a:ea typeface="+mn-ea"/>
+                <a:cs typeface="+mn-cs"/>
+              </a:rPr>
+              <a:t>Realtime</a:t>
+            </a:r>
+            <a:r>
+              <a:rPr lang="en-US" sz="1200" b="0" i="0" kern="1200" dirty="0" smtClean="0">
+                <a:solidFill>
+                  <a:schemeClr val="tx1"/>
+                </a:solidFill>
+                <a:effectLst/>
+                <a:latin typeface="+mn-lt"/>
+                <a:ea typeface="+mn-ea"/>
+                <a:cs typeface="+mn-cs"/>
+              </a:rPr>
+              <a:t> Error Checker finds errors before you hit play!</a:t>
+            </a:r>
+          </a:p>
+          <a:p>
+            <a:pPr fontAlgn="base"/>
+            <a:r>
+              <a:rPr lang="en-US" sz="1200" b="0" i="0" kern="1200" dirty="0" smtClean="0">
+                <a:solidFill>
+                  <a:schemeClr val="tx1"/>
+                </a:solidFill>
+                <a:effectLst/>
+                <a:latin typeface="+mn-lt"/>
+                <a:ea typeface="+mn-ea"/>
+                <a:cs typeface="+mn-cs"/>
+              </a:rPr>
+              <a:t>Runtime Debugging lets you watch state machine behavior.</a:t>
+            </a:r>
+          </a:p>
+          <a:p>
+            <a:pPr fontAlgn="base"/>
+            <a:r>
+              <a:rPr lang="en-US" sz="1200" b="0" i="0" kern="1200" dirty="0" smtClean="0">
+                <a:solidFill>
+                  <a:schemeClr val="tx1"/>
+                </a:solidFill>
+                <a:effectLst/>
+                <a:latin typeface="+mn-lt"/>
+                <a:ea typeface="+mn-ea"/>
+                <a:cs typeface="+mn-cs"/>
+              </a:rPr>
+              <a:t>Set Breakpoints and Step through state changes.</a:t>
+            </a:r>
+          </a:p>
+          <a:p>
+            <a:pPr fontAlgn="base"/>
+            <a:r>
+              <a:rPr lang="en-US" sz="1200" b="0" i="0" kern="1200" dirty="0" smtClean="0">
+                <a:solidFill>
+                  <a:schemeClr val="tx1"/>
+                </a:solidFill>
+                <a:effectLst/>
+                <a:latin typeface="+mn-lt"/>
+                <a:ea typeface="+mn-ea"/>
+                <a:cs typeface="+mn-cs"/>
+              </a:rPr>
+              <a:t>Watch Variables as the game plays.</a:t>
+            </a:r>
+          </a:p>
+          <a:p>
+            <a:pPr fontAlgn="base"/>
+            <a:r>
+              <a:rPr lang="en-US" sz="1200" b="0" i="0" kern="1200" dirty="0" smtClean="0">
+                <a:solidFill>
+                  <a:schemeClr val="tx1"/>
+                </a:solidFill>
+                <a:effectLst/>
+                <a:latin typeface="+mn-lt"/>
+                <a:ea typeface="+mn-ea"/>
+                <a:cs typeface="+mn-cs"/>
+              </a:rPr>
+              <a:t>Send Events and Set Variables at any time.</a:t>
+            </a:r>
+          </a:p>
+          <a:p>
+            <a:pPr fontAlgn="base"/>
+            <a:r>
+              <a:rPr lang="en-US" sz="1200" b="0" i="0" kern="1200" dirty="0" smtClean="0">
+                <a:solidFill>
+                  <a:schemeClr val="tx1"/>
+                </a:solidFill>
+                <a:effectLst/>
+                <a:latin typeface="+mn-lt"/>
+                <a:ea typeface="+mn-ea"/>
+                <a:cs typeface="+mn-cs"/>
+              </a:rPr>
+              <a:t>Use the Log Window to watch transition events.</a:t>
+            </a:r>
+          </a:p>
+          <a:p>
+            <a:pPr fontAlgn="base"/>
+            <a:r>
+              <a:rPr lang="en-US" sz="1200" b="0" i="0" kern="1200" dirty="0" smtClean="0">
+                <a:solidFill>
+                  <a:schemeClr val="tx1"/>
+                </a:solidFill>
+                <a:effectLst/>
+                <a:latin typeface="+mn-lt"/>
+                <a:ea typeface="+mn-ea"/>
+                <a:cs typeface="+mn-cs"/>
+              </a:rPr>
+              <a:t>Highly Extendible</a:t>
+            </a:r>
+          </a:p>
+          <a:p>
+            <a:pPr fontAlgn="base"/>
+            <a:r>
+              <a:rPr lang="en-US" sz="1200" b="0" i="0" kern="1200" dirty="0" smtClean="0">
+                <a:solidFill>
+                  <a:schemeClr val="tx1"/>
+                </a:solidFill>
+                <a:effectLst/>
+                <a:latin typeface="+mn-lt"/>
+                <a:ea typeface="+mn-ea"/>
+                <a:cs typeface="+mn-cs"/>
+              </a:rPr>
+              <a:t>Write Custom Actions and they appear in the editor.</a:t>
+            </a:r>
+          </a:p>
+          <a:p>
+            <a:pPr fontAlgn="base"/>
+            <a:r>
+              <a:rPr lang="en-US" sz="1200" b="0" i="0" kern="1200" dirty="0" smtClean="0">
+                <a:solidFill>
+                  <a:schemeClr val="tx1"/>
+                </a:solidFill>
+                <a:effectLst/>
+                <a:latin typeface="+mn-lt"/>
+                <a:ea typeface="+mn-ea"/>
+                <a:cs typeface="+mn-cs"/>
+              </a:rPr>
+              <a:t>Custom Actions available for many popular </a:t>
+            </a:r>
+            <a:r>
+              <a:rPr lang="en-US" sz="1200" b="0" i="0" kern="1200" dirty="0" err="1" smtClean="0">
+                <a:solidFill>
+                  <a:schemeClr val="tx1"/>
+                </a:solidFill>
+                <a:effectLst/>
+                <a:latin typeface="+mn-lt"/>
+                <a:ea typeface="+mn-ea"/>
+                <a:cs typeface="+mn-cs"/>
+              </a:rPr>
+              <a:t>addons</a:t>
+            </a:r>
+            <a:r>
+              <a:rPr lang="en-US" sz="1200" b="0" i="0" kern="1200" dirty="0" smtClean="0">
+                <a:solidFill>
+                  <a:schemeClr val="tx1"/>
+                </a:solidFill>
+                <a:effectLst/>
+                <a:latin typeface="+mn-lt"/>
+                <a:ea typeface="+mn-ea"/>
+                <a:cs typeface="+mn-cs"/>
+              </a:rPr>
+              <a:t>:</a:t>
+            </a:r>
+          </a:p>
+          <a:p>
+            <a:pPr fontAlgn="base"/>
+            <a:r>
+              <a:rPr lang="en-US" sz="1200" b="0" i="0" kern="1200" dirty="0" smtClean="0">
+                <a:solidFill>
+                  <a:schemeClr val="tx1"/>
+                </a:solidFill>
+                <a:effectLst/>
+                <a:latin typeface="+mn-lt"/>
+                <a:ea typeface="+mn-ea"/>
+                <a:cs typeface="+mn-cs"/>
+              </a:rPr>
+              <a:t>Photon, 2D Toolkit, </a:t>
+            </a:r>
+            <a:r>
+              <a:rPr lang="en-US" sz="1200" b="0" i="0" kern="1200" dirty="0" err="1" smtClean="0">
+                <a:solidFill>
+                  <a:schemeClr val="tx1"/>
+                </a:solidFill>
+                <a:effectLst/>
+                <a:latin typeface="+mn-lt"/>
+                <a:ea typeface="+mn-ea"/>
+                <a:cs typeface="+mn-cs"/>
+              </a:rPr>
+              <a:t>iTween</a:t>
+            </a:r>
+            <a:r>
+              <a:rPr lang="en-US" sz="1200" b="0" i="0" kern="1200" dirty="0" smtClean="0">
+                <a:solidFill>
+                  <a:schemeClr val="tx1"/>
+                </a:solidFill>
+                <a:effectLst/>
+                <a:latin typeface="+mn-lt"/>
+                <a:ea typeface="+mn-ea"/>
+                <a:cs typeface="+mn-cs"/>
+              </a:rPr>
+              <a:t>, NGUI, Smooth Moves...</a:t>
+            </a:r>
+          </a:p>
+          <a:p>
+            <a:pPr fontAlgn="base"/>
+            <a:r>
+              <a:rPr lang="en-US" sz="1200" b="0" i="0" kern="1200" dirty="0" smtClean="0">
+                <a:solidFill>
+                  <a:schemeClr val="tx1"/>
+                </a:solidFill>
+                <a:effectLst/>
+                <a:latin typeface="+mn-lt"/>
+                <a:ea typeface="+mn-ea"/>
+                <a:cs typeface="+mn-cs"/>
+              </a:rPr>
+              <a:t>User Community shares actions on the Forums and Wiki.</a:t>
+            </a:r>
+          </a:p>
+          <a:p>
+            <a:pPr fontAlgn="base"/>
+            <a:r>
+              <a:rPr lang="en-US" sz="1200" b="0" i="0" kern="1200" dirty="0" smtClean="0">
+                <a:solidFill>
+                  <a:schemeClr val="tx1"/>
+                </a:solidFill>
+                <a:effectLst/>
+                <a:latin typeface="+mn-lt"/>
+                <a:ea typeface="+mn-ea"/>
+                <a:cs typeface="+mn-cs"/>
+              </a:rPr>
+              <a:t>Open API allows you to make FSMs in code.</a:t>
+            </a:r>
+          </a:p>
+          <a:p>
+            <a:endParaRPr lang="en-US" dirty="0"/>
+          </a:p>
+        </p:txBody>
+      </p:sp>
+      <p:sp>
+        <p:nvSpPr>
+          <p:cNvPr id="4" name="Slide Number Placeholder 3"/>
+          <p:cNvSpPr>
+            <a:spLocks noGrp="1"/>
+          </p:cNvSpPr>
+          <p:nvPr>
+            <p:ph type="sldNum" sz="quarter" idx="10"/>
+          </p:nvPr>
+        </p:nvSpPr>
+        <p:spPr/>
+        <p:txBody>
+          <a:bodyPr/>
+          <a:lstStyle/>
+          <a:p>
+            <a:fld id="{3C6F2BF0-7A39-4712-9566-E532FA8F3AB9}" type="slidenum">
+              <a:rPr lang="en-US" smtClean="0"/>
+              <a:t>10</a:t>
+            </a:fld>
+            <a:endParaRPr lang="en-US"/>
+          </a:p>
+        </p:txBody>
+      </p:sp>
+    </p:spTree>
+    <p:extLst>
+      <p:ext uri="{BB962C8B-B14F-4D97-AF65-F5344CB8AC3E}">
+        <p14:creationId xmlns:p14="http://schemas.microsoft.com/office/powerpoint/2010/main" val="234601105"/>
+      </p:ext>
+    </p:extLst>
+  </p:cSld>
+  <p:clrMapOvr>
+    <a:masterClrMapping/>
+  </p:clrMapOvr>
+</p:notes>
+</file>
+
+<file path=ppt/notesSlides/notesSlide9.xml><?xml version="1.0" encoding="utf-8"?>
+<p:notes xmlns:a="http://schemas.openxmlformats.org/drawingml/2006/main" xmlns:r="http://schemas.openxmlformats.org/officeDocument/2006/relationships" xmlns:p="http://schemas.openxmlformats.org/presentationml/2006/main">
+  <p:cSld>
+    <p:spTree>
+      <p:nvGrpSpPr>
+        <p:cNvPr id="1" name=""/>
+        <p:cNvGrpSpPr/>
+        <p:nvPr/>
+      </p:nvGrpSpPr>
+      <p:grpSpPr>
+        <a:xfrm>
+          <a:off x="0" y="0"/>
+          <a:ext cx="0" cy="0"/>
+          <a:chOff x="0" y="0"/>
+          <a:chExt cx="0" cy="0"/>
+        </a:xfrm>
+      </p:grpSpPr>
+      <p:sp>
+        <p:nvSpPr>
+          <p:cNvPr id="2" name="Slide Image Placeholder 1"/>
+          <p:cNvSpPr>
+            <a:spLocks noGrp="1" noRot="1" noChangeAspect="1"/>
+          </p:cNvSpPr>
+          <p:nvPr>
+            <p:ph type="sldImg"/>
+          </p:nvPr>
+        </p:nvSpPr>
+        <p:spPr/>
+      </p:sp>
+      <p:sp>
+        <p:nvSpPr>
+          <p:cNvPr id="3" name="Notes Placeholder 2"/>
+          <p:cNvSpPr>
+            <a:spLocks noGrp="1"/>
+          </p:cNvSpPr>
+          <p:nvPr>
+            <p:ph type="body" idx="1"/>
+          </p:nvPr>
+        </p:nvSpPr>
+        <p:spPr/>
+        <p:txBody>
+          <a:bodyPr/>
+          <a:lstStyle/>
+          <a:p>
+            <a:r>
+              <a:rPr lang="en-US" dirty="0" smtClean="0"/>
+              <a:t>Career</a:t>
+            </a:r>
+            <a:r>
+              <a:rPr lang="en-US" baseline="0" dirty="0" smtClean="0"/>
+              <a:t> goal</a:t>
+            </a:r>
+            <a:endParaRPr lang="en-US" dirty="0"/>
+          </a:p>
+        </p:txBody>
+      </p:sp>
+      <p:sp>
+        <p:nvSpPr>
+          <p:cNvPr id="4" name="Slide Number Placeholder 3"/>
+          <p:cNvSpPr>
+            <a:spLocks noGrp="1"/>
+          </p:cNvSpPr>
+          <p:nvPr>
+            <p:ph type="sldNum" sz="quarter" idx="10"/>
+          </p:nvPr>
+        </p:nvSpPr>
+        <p:spPr/>
+        <p:txBody>
+          <a:bodyPr/>
+          <a:lstStyle/>
+          <a:p>
+            <a:fld id="{3C6F2BF0-7A39-4712-9566-E532FA8F3AB9}" type="slidenum">
+              <a:rPr lang="en-US" smtClean="0"/>
+              <a:t>11</a:t>
+            </a:fld>
+            <a:endParaRPr lang="en-US"/>
+          </a:p>
+        </p:txBody>
+      </p:sp>
+    </p:spTree>
+    <p:extLst>
+      <p:ext uri="{BB962C8B-B14F-4D97-AF65-F5344CB8AC3E}">
+        <p14:creationId xmlns:p14="http://schemas.microsoft.com/office/powerpoint/2010/main" val="2027167140"/>
+      </p:ext>
+    </p:extLst>
+  </p:cSld>
+  <p:clrMapOvr>
+    <a:masterClrMapping/>
+  </p:clrMapOvr>
+</p:notes>
 </file>
 
 <file path=ppt/slideLayouts/slideLayout1.xml><?xml version="1.0" encoding="utf-8"?>
@@ -1936,7 +3735,7 @@
             <a:fld id="{E30E2307-1E40-4E12-8716-25BFDA8E7013}" type="datetime1">
               <a:rPr lang="en-US" smtClean="0"/>
               <a:pPr/>
-              <a:t>1/11/2013</a:t>
+              <a:t>7/13/2013</a:t>
             </a:fld>
             <a:endParaRPr lang="en-US"/>
           </a:p>
@@ -2119,7 +3918,7 @@
             <a:fld id="{E5CFCF5A-EA79-452C-A52C-1A2668C2E7DF}" type="datetime1">
               <a:rPr lang="en-US" smtClean="0"/>
               <a:pPr/>
-              <a:t>1/11/2013</a:t>
+              <a:t>7/13/2013</a:t>
             </a:fld>
             <a:endParaRPr lang="en-US"/>
           </a:p>
@@ -2272,7 +4071,7 @@
             <a:fld id="{2E5C4C28-BD4B-4892-9A2D-6E19BD753A9A}" type="datetime1">
               <a:rPr lang="en-US" smtClean="0"/>
               <a:pPr/>
-              <a:t>1/11/2013</a:t>
+              <a:t>7/13/2013</a:t>
             </a:fld>
             <a:endParaRPr lang="en-US"/>
           </a:p>
@@ -4100,7 +5899,7 @@
             <a:fld id="{61FD9D02-426E-46C9-9EE9-0DE1EF8B2838}" type="datetime1">
               <a:rPr lang="en-US" smtClean="0"/>
               <a:pPr/>
-              <a:t>1/11/2013</a:t>
+              <a:t>7/13/2013</a:t>
             </a:fld>
             <a:endParaRPr lang="en-US"/>
           </a:p>
@@ -5972,7 +7771,7 @@
             <a:fld id="{7B8AEBBE-F8B2-42CF-9895-E86A608384EB}" type="datetime1">
               <a:rPr lang="en-US" smtClean="0"/>
               <a:pPr/>
-              <a:t>1/11/2013</a:t>
+              <a:t>7/13/2013</a:t>
             </a:fld>
             <a:endParaRPr lang="en-US"/>
           </a:p>
@@ -6087,7 +7886,7 @@
             <a:fld id="{E1FAA6B6-10E5-4810-BC9F-DA72D8452E73}" type="datetime1">
               <a:rPr lang="en-US" smtClean="0"/>
               <a:pPr/>
-              <a:t>1/11/2013</a:t>
+              <a:t>7/13/2013</a:t>
             </a:fld>
             <a:endParaRPr lang="en-US"/>
           </a:p>
@@ -6630,7 +8429,7 @@
             <a:fld id="{6D18D072-EF12-4AA2-BD71-ABC68B06D0E2}" type="datetime1">
               <a:rPr lang="en-US" smtClean="0"/>
               <a:pPr/>
-              <a:t>1/11/2013</a:t>
+              <a:t>7/13/2013</a:t>
             </a:fld>
             <a:endParaRPr lang="en-US"/>
           </a:p>
@@ -6745,7 +8544,7 @@
             <a:fld id="{B8CDBF60-6CC3-4B74-A60D-3486985E4346}" type="datetime1">
               <a:rPr lang="en-US" smtClean="0"/>
               <a:pPr/>
-              <a:t>1/11/2013</a:t>
+              <a:t>7/13/2013</a:t>
             </a:fld>
             <a:endParaRPr lang="en-US"/>
           </a:p>
@@ -8458,7 +10257,7 @@
             <a:fld id="{22714818-984F-4759-BF72-A33BDC1963BD}" type="datetime1">
               <a:rPr lang="en-US" smtClean="0"/>
               <a:pPr/>
-              <a:t>1/11/2013</a:t>
+              <a:t>7/13/2013</a:t>
             </a:fld>
             <a:endParaRPr lang="en-US"/>
           </a:p>
@@ -8611,7 +10410,7 @@
             <a:fld id="{9EA7E191-5F94-4FC1-B823-BD7CABF7FA06}" type="datetime1">
               <a:rPr lang="en-US" smtClean="0"/>
               <a:pPr/>
-              <a:t>1/11/2013</a:t>
+              <a:t>7/13/2013</a:t>
             </a:fld>
             <a:endParaRPr lang="en-US"/>
           </a:p>
@@ -12228,7 +14027,7 @@
             <a:fld id="{88856D55-EFBE-4F9B-8A5F-09D42CA22A9B}" type="datetime1">
               <a:rPr lang="en-US" smtClean="0"/>
               <a:pPr/>
-              <a:t>1/11/2013</a:t>
+              <a:t>7/13/2013</a:t>
             </a:fld>
             <a:endParaRPr lang="en-US"/>
           </a:p>
@@ -14089,7 +15888,7 @@
             <a:fld id="{9D1D110F-3F4E-48D9-B8AA-5D0E825AFDBA}" type="datetime1">
               <a:rPr lang="en-US" smtClean="0"/>
               <a:pPr/>
-              <a:t>1/11/2013</a:t>
+              <a:t>7/13/2013</a:t>
             </a:fld>
             <a:endParaRPr lang="en-US"/>
           </a:p>
@@ -14236,17 +16035,17 @@
   </p:cSld>
   <p:clrMap bg1="lt1" tx1="dk1" bg2="lt2" tx2="dk2" accent1="accent1" accent2="accent2" accent3="accent3" accent4="accent4" accent5="accent5" accent6="accent6" hlink="hlink" folHlink="folHlink"/>
   <p:sldLayoutIdLst>
-    <p:sldLayoutId id="2147483745" r:id="rId1"/>
-    <p:sldLayoutId id="2147483746" r:id="rId2"/>
-    <p:sldLayoutId id="2147483747" r:id="rId3"/>
-    <p:sldLayoutId id="2147483748" r:id="rId4"/>
-    <p:sldLayoutId id="2147483749" r:id="rId5"/>
-    <p:sldLayoutId id="2147483750" r:id="rId6"/>
-    <p:sldLayoutId id="2147483751" r:id="rId7"/>
-    <p:sldLayoutId id="2147483752" r:id="rId8"/>
-    <p:sldLayoutId id="2147483753" r:id="rId9"/>
-    <p:sldLayoutId id="2147483754" r:id="rId10"/>
-    <p:sldLayoutId id="2147483755" r:id="rId11"/>
+    <p:sldLayoutId id="2147483949" r:id="rId1"/>
+    <p:sldLayoutId id="2147483950" r:id="rId2"/>
+    <p:sldLayoutId id="2147483951" r:id="rId3"/>
+    <p:sldLayoutId id="2147483952" r:id="rId4"/>
+    <p:sldLayoutId id="2147483953" r:id="rId5"/>
+    <p:sldLayoutId id="2147483954" r:id="rId6"/>
+    <p:sldLayoutId id="2147483955" r:id="rId7"/>
+    <p:sldLayoutId id="2147483956" r:id="rId8"/>
+    <p:sldLayoutId id="2147483957" r:id="rId9"/>
+    <p:sldLayoutId id="2147483958" r:id="rId10"/>
+    <p:sldLayoutId id="2147483959" r:id="rId11"/>
   </p:sldLayoutIdLst>
   <p:hf sldNum="0" hdr="0" ftr="0" dt="0"/>
   <p:txStyles>
@@ -14642,7 +16441,9 @@
         </p:nvSpPr>
         <p:spPr/>
         <p:txBody>
-          <a:bodyPr/>
+          <a:bodyPr>
+            <a:normAutofit/>
+          </a:bodyPr>
           <a:lstStyle/>
           <a:p>
             <a:r>
@@ -14664,7 +16465,7 @@
           <a:p>
             <a:r>
               <a:rPr lang="en-US" dirty="0" smtClean="0"/>
-              <a:t>Senior Software Engineer II – Blizzard Entertainment</a:t>
+              <a:t>Senior Gameplay Engineer – Blizzard Entertainment</a:t>
             </a:r>
             <a:endParaRPr lang="en-US" dirty="0"/>
           </a:p>
@@ -14680,6 +16481,13 @@
   <p:clrMapOvr>
     <a:masterClrMapping/>
   </p:clrMapOvr>
+  <p:timing>
+    <p:tnLst>
+      <p:par>
+        <p:cTn id="1" dur="indefinite" restart="never" nodeType="tmRoot"/>
+      </p:par>
+    </p:tnLst>
+  </p:timing>
 </p:sld>
 </file>
 
@@ -14717,7 +16525,17 @@
           <a:p>
             <a:r>
               <a:rPr lang="en-US" dirty="0" smtClean="0"/>
-              <a:t>GAD and VGP</a:t>
+              <a:t>Playmaker (</a:t>
+            </a:r>
+            <a:r>
+              <a:rPr lang="en-US" dirty="0" smtClean="0">
+                <a:hlinkClick r:id="rId3"/>
+              </a:rPr>
+              <a:t>LINK</a:t>
+            </a:r>
+            <a:r>
+              <a:rPr lang="en-US" dirty="0" smtClean="0"/>
+              <a:t>)</a:t>
             </a:r>
             <a:endParaRPr lang="en-US" dirty="0"/>
           </a:p>
@@ -14740,6 +16558,131 @@
           <a:p>
             <a:r>
               <a:rPr lang="en-US" dirty="0" smtClean="0"/>
+              <a:t>Visual Scripting Plug-in for Unity</a:t>
+            </a:r>
+          </a:p>
+          <a:p>
+            <a:r>
+              <a:rPr lang="en-US" dirty="0" smtClean="0"/>
+              <a:t>Flexible, lots of features</a:t>
+            </a:r>
+            <a:endParaRPr lang="en-US" dirty="0"/>
+          </a:p>
+        </p:txBody>
+      </p:sp>
+      <p:pic>
+        <p:nvPicPr>
+          <p:cNvPr id="1030" name="Picture 6" descr="http://learnunity3d.com/wp-content/uploads/2011/03/playmaker-logo.jpg"/>
+          <p:cNvPicPr>
+            <a:picLocks noGrp="1" noChangeAspect="1" noChangeArrowheads="1"/>
+          </p:cNvPicPr>
+          <p:nvPr>
+            <p:ph type="pic" idx="1"/>
+          </p:nvPr>
+        </p:nvPicPr>
+        <p:blipFill rotWithShape="1">
+          <a:blip r:embed="rId4">
+            <a:extLst>
+              <a:ext uri="{28A0092B-C50C-407E-A947-70E740481C1C}">
+                <a14:useLocalDpi xmlns:a14="http://schemas.microsoft.com/office/drawing/2010/main" val="0"/>
+              </a:ext>
+            </a:extLst>
+          </a:blip>
+          <a:srcRect l="10367" r="10367"/>
+          <a:stretch/>
+        </p:blipFill>
+        <p:spPr bwMode="auto">
+          <a:xfrm>
+            <a:off x="838200" y="1371600"/>
+            <a:ext cx="4114800" cy="2926080"/>
+          </a:xfrm>
+          <a:prstGeom prst="rect">
+            <a:avLst/>
+          </a:prstGeom>
+          <a:noFill/>
+          <a:extLst>
+            <a:ext uri="{909E8E84-426E-40DD-AFC4-6F175D3DCCD1}">
+              <a14:hiddenFill xmlns:a14="http://schemas.microsoft.com/office/drawing/2010/main">
+                <a:solidFill>
+                  <a:srgbClr val="FFFFFF"/>
+                </a:solidFill>
+              </a14:hiddenFill>
+            </a:ext>
+          </a:extLst>
+        </p:spPr>
+      </p:pic>
+    </p:spTree>
+    <p:extLst>
+      <p:ext uri="{BB962C8B-B14F-4D97-AF65-F5344CB8AC3E}">
+        <p14:creationId xmlns:p14="http://schemas.microsoft.com/office/powerpoint/2010/main" val="1758056852"/>
+      </p:ext>
+    </p:extLst>
+  </p:cSld>
+  <p:clrMapOvr>
+    <a:masterClrMapping/>
+  </p:clrMapOvr>
+</p:sld>
+</file>
+
+<file path=ppt/slides/slide11.xml><?xml version="1.0" encoding="utf-8"?>
+<p:sld xmlns:a="http://schemas.openxmlformats.org/drawingml/2006/main" xmlns:r="http://schemas.openxmlformats.org/officeDocument/2006/relationships" xmlns:p="http://schemas.openxmlformats.org/presentationml/2006/main">
+  <p:cSld>
+    <p:spTree>
+      <p:nvGrpSpPr>
+        <p:cNvPr id="1" name=""/>
+        <p:cNvGrpSpPr/>
+        <p:nvPr/>
+      </p:nvGrpSpPr>
+      <p:grpSpPr>
+        <a:xfrm>
+          <a:off x="0" y="0"/>
+          <a:ext cx="0" cy="0"/>
+          <a:chOff x="0" y="0"/>
+          <a:chExt cx="0" cy="0"/>
+        </a:xfrm>
+      </p:grpSpPr>
+      <p:sp>
+        <p:nvSpPr>
+          <p:cNvPr id="2" name="Title 1"/>
+          <p:cNvSpPr>
+            <a:spLocks noGrp="1"/>
+          </p:cNvSpPr>
+          <p:nvPr>
+            <p:ph type="title"/>
+          </p:nvPr>
+        </p:nvSpPr>
+        <p:spPr/>
+        <p:txBody>
+          <a:bodyPr/>
+          <a:lstStyle/>
+          <a:p>
+            <a:r>
+              <a:rPr lang="en-US" dirty="0" smtClean="0"/>
+              <a:t>GAD and VGP</a:t>
+            </a:r>
+            <a:endParaRPr lang="en-US" dirty="0"/>
+          </a:p>
+        </p:txBody>
+      </p:sp>
+      <p:sp>
+        <p:nvSpPr>
+          <p:cNvPr id="3" name="Text Placeholder 2"/>
+          <p:cNvSpPr>
+            <a:spLocks noGrp="1"/>
+          </p:cNvSpPr>
+          <p:nvPr>
+            <p:ph type="body" sz="half" idx="2"/>
+          </p:nvPr>
+        </p:nvSpPr>
+        <p:spPr/>
+        <p:txBody>
+          <a:bodyPr>
+            <a:normAutofit/>
+          </a:bodyPr>
+          <a:lstStyle/>
+          <a:p>
+            <a:r>
+              <a:rPr lang="en-US" dirty="0" smtClean="0"/>
               <a:t>Use your strengths.</a:t>
             </a:r>
           </a:p>
@@ -14763,7 +16706,7 @@
           </p:nvPr>
         </p:nvPicPr>
         <p:blipFill rotWithShape="1">
-          <a:blip r:embed="rId2">
+          <a:blip r:embed="rId3">
             <a:extLst>
               <a:ext uri="{28A0092B-C50C-407E-A947-70E740481C1C}">
                 <a14:useLocalDpi xmlns:a14="http://schemas.microsoft.com/office/drawing/2010/main" val="0"/>
@@ -14806,7 +16749,7 @@
 </p:sld>
 </file>
 
-<file path=ppt/slides/slide11.xml><?xml version="1.0" encoding="utf-8"?>
+<file path=ppt/slides/slide12.xml><?xml version="1.0" encoding="utf-8"?>
 <p:sld xmlns:a="http://schemas.openxmlformats.org/drawingml/2006/main" xmlns:r="http://schemas.openxmlformats.org/officeDocument/2006/relationships" xmlns:p="http://schemas.openxmlformats.org/presentationml/2006/main">
   <p:cSld>
     <p:spTree>
@@ -14932,7 +16875,7 @@
 </p:sld>
 </file>
 
-<file path=ppt/slides/slide12.xml><?xml version="1.0" encoding="utf-8"?>
+<file path=ppt/slides/slide13.xml><?xml version="1.0" encoding="utf-8"?>
 <p:sld xmlns:a="http://schemas.openxmlformats.org/drawingml/2006/main" xmlns:r="http://schemas.openxmlformats.org/officeDocument/2006/relationships" xmlns:p="http://schemas.openxmlformats.org/presentationml/2006/main">
   <p:cSld>
     <p:spTree>
@@ -15004,10 +16947,465 @@
   <p:clrMapOvr>
     <a:masterClrMapping/>
   </p:clrMapOvr>
+  <p:timing>
+    <p:tnLst>
+      <p:par>
+        <p:cTn id="1" dur="indefinite" restart="never" nodeType="tmRoot"/>
+      </p:par>
+    </p:tnLst>
+  </p:timing>
 </p:sld>
 </file>
 
-<file path=ppt/slides/slide13.xml><?xml version="1.0" encoding="utf-8"?>
+<file path=ppt/slides/slide14.xml><?xml version="1.0" encoding="utf-8"?>
+<p:sld xmlns:a="http://schemas.openxmlformats.org/drawingml/2006/main" xmlns:r="http://schemas.openxmlformats.org/officeDocument/2006/relationships" xmlns:p="http://schemas.openxmlformats.org/presentationml/2006/main">
+  <p:cSld>
+    <p:spTree>
+      <p:nvGrpSpPr>
+        <p:cNvPr id="1" name=""/>
+        <p:cNvGrpSpPr/>
+        <p:nvPr/>
+      </p:nvGrpSpPr>
+      <p:grpSpPr>
+        <a:xfrm>
+          <a:off x="0" y="0"/>
+          <a:ext cx="0" cy="0"/>
+          <a:chOff x="0" y="0"/>
+          <a:chExt cx="0" cy="0"/>
+        </a:xfrm>
+      </p:grpSpPr>
+      <p:sp>
+        <p:nvSpPr>
+          <p:cNvPr id="2" name="Title 1"/>
+          <p:cNvSpPr>
+            <a:spLocks noGrp="1"/>
+          </p:cNvSpPr>
+          <p:nvPr>
+            <p:ph type="title"/>
+          </p:nvPr>
+        </p:nvSpPr>
+        <p:spPr/>
+        <p:txBody>
+          <a:bodyPr/>
+          <a:lstStyle/>
+          <a:p>
+            <a:r>
+              <a:rPr lang="en-US" dirty="0" smtClean="0"/>
+              <a:t>Game of War : Rules</a:t>
+            </a:r>
+            <a:endParaRPr lang="en-US" dirty="0"/>
+          </a:p>
+        </p:txBody>
+      </p:sp>
+      <p:sp>
+        <p:nvSpPr>
+          <p:cNvPr id="4" name="TextBox 3"/>
+          <p:cNvSpPr txBox="1"/>
+          <p:nvPr/>
+        </p:nvSpPr>
+        <p:spPr>
+          <a:xfrm>
+            <a:off x="685800" y="2209800"/>
+            <a:ext cx="8077200" cy="3970318"/>
+          </a:xfrm>
+          <a:prstGeom prst="rect">
+            <a:avLst/>
+          </a:prstGeom>
+          <a:noFill/>
+        </p:spPr>
+        <p:txBody>
+          <a:bodyPr wrap="square" rtlCol="0">
+            <a:spAutoFit/>
+          </a:bodyPr>
+          <a:lstStyle/>
+          <a:p>
+            <a:pPr marL="342900" indent="-342900">
+              <a:buFont typeface="+mj-lt"/>
+              <a:buAutoNum type="arabicPeriod"/>
+            </a:pPr>
+            <a:r>
+              <a:rPr lang="en-US" dirty="0"/>
+              <a:t>The deck is divided evenly among the two players, giving each a down stack. </a:t>
+            </a:r>
+            <a:endParaRPr lang="en-US" dirty="0" smtClean="0"/>
+          </a:p>
+          <a:p>
+            <a:pPr marL="342900" indent="-342900">
+              <a:buFont typeface="+mj-lt"/>
+              <a:buAutoNum type="arabicPeriod"/>
+            </a:pPr>
+            <a:endParaRPr lang="en-US" dirty="0"/>
+          </a:p>
+          <a:p>
+            <a:pPr marL="342900" indent="-342900">
+              <a:buFont typeface="+mj-lt"/>
+              <a:buAutoNum type="arabicPeriod"/>
+            </a:pPr>
+            <a:r>
+              <a:rPr lang="en-US" dirty="0" smtClean="0"/>
+              <a:t>In </a:t>
+            </a:r>
+            <a:r>
+              <a:rPr lang="en-US" dirty="0"/>
+              <a:t>unison, each player reveals the top card of their deck - this is a "battle" - and the player with the higher card takes both the cards played and moves them to the bottom of their stack</a:t>
+            </a:r>
+            <a:r>
+              <a:rPr lang="en-US" dirty="0" smtClean="0"/>
+              <a:t>.</a:t>
+            </a:r>
+          </a:p>
+          <a:p>
+            <a:pPr marL="342900" indent="-342900">
+              <a:buFont typeface="+mj-lt"/>
+              <a:buAutoNum type="arabicPeriod"/>
+            </a:pPr>
+            <a:endParaRPr lang="en-US" dirty="0" smtClean="0"/>
+          </a:p>
+          <a:p>
+            <a:pPr marL="342900" indent="-342900">
+              <a:buFont typeface="+mj-lt"/>
+              <a:buAutoNum type="arabicPeriod"/>
+            </a:pPr>
+            <a:r>
+              <a:rPr lang="en-US" dirty="0" smtClean="0"/>
+              <a:t>If </a:t>
+            </a:r>
+            <a:r>
+              <a:rPr lang="en-US" dirty="0"/>
+              <a:t>the two cards played are of equal value, then there is a "war</a:t>
+            </a:r>
+            <a:r>
+              <a:rPr lang="en-US" dirty="0" smtClean="0"/>
+              <a:t>".</a:t>
+            </a:r>
+            <a:r>
+              <a:rPr lang="en-US" dirty="0"/>
+              <a:t> </a:t>
+            </a:r>
+            <a:endParaRPr lang="en-US" dirty="0" smtClean="0"/>
+          </a:p>
+          <a:p>
+            <a:pPr marL="800100" lvl="1" indent="-342900">
+              <a:buFont typeface="+mj-lt"/>
+              <a:buAutoNum type="arabicPeriod"/>
+            </a:pPr>
+            <a:r>
+              <a:rPr lang="en-US" dirty="0" smtClean="0"/>
+              <a:t>Both </a:t>
+            </a:r>
+            <a:r>
+              <a:rPr lang="en-US" dirty="0"/>
+              <a:t>players play the next </a:t>
+            </a:r>
+            <a:r>
+              <a:rPr lang="en-US" dirty="0" smtClean="0"/>
+              <a:t>one</a:t>
+            </a:r>
+            <a:r>
+              <a:rPr lang="en-US" dirty="0"/>
+              <a:t> or </a:t>
+            </a:r>
+            <a:r>
+              <a:rPr lang="en-US" dirty="0" smtClean="0"/>
+              <a:t>thre</a:t>
+            </a:r>
+            <a:r>
+              <a:rPr lang="en-US" baseline="30000" dirty="0"/>
+              <a:t>e</a:t>
+            </a:r>
+            <a:r>
+              <a:rPr lang="en-US" dirty="0"/>
+              <a:t> cards of their pile face down, depending on the variant, and then another card face-up. </a:t>
+            </a:r>
+            <a:endParaRPr lang="en-US" dirty="0" smtClean="0"/>
+          </a:p>
+          <a:p>
+            <a:pPr marL="800100" lvl="1" indent="-342900">
+              <a:buFont typeface="+mj-lt"/>
+              <a:buAutoNum type="arabicPeriod"/>
+            </a:pPr>
+            <a:r>
+              <a:rPr lang="en-US" dirty="0" smtClean="0"/>
+              <a:t>The </a:t>
+            </a:r>
+            <a:r>
+              <a:rPr lang="en-US" dirty="0"/>
+              <a:t>owner of the highest face-up card wins the war and adds all six or ten cards on the table to the bottom of their deck. </a:t>
+            </a:r>
+            <a:endParaRPr lang="en-US" dirty="0" smtClean="0"/>
+          </a:p>
+          <a:p>
+            <a:pPr marL="800100" lvl="1" indent="-342900">
+              <a:buFont typeface="+mj-lt"/>
+              <a:buAutoNum type="arabicPeriod"/>
+            </a:pPr>
+            <a:r>
+              <a:rPr lang="en-US" dirty="0" smtClean="0"/>
+              <a:t>If </a:t>
+            </a:r>
+            <a:r>
+              <a:rPr lang="en-US" dirty="0"/>
+              <a:t>the face-up cards are equal, then each player adds two new cards as before until one player's face-up card is higher than their opponent's</a:t>
+            </a:r>
+            <a:r>
+              <a:rPr lang="en-US" dirty="0" smtClean="0"/>
+              <a:t>.</a:t>
+            </a:r>
+            <a:endParaRPr lang="en-US" dirty="0"/>
+          </a:p>
+          <a:p>
+            <a:endParaRPr lang="en-US" dirty="0"/>
+          </a:p>
+        </p:txBody>
+      </p:sp>
+    </p:spTree>
+    <p:extLst>
+      <p:ext uri="{BB962C8B-B14F-4D97-AF65-F5344CB8AC3E}">
+        <p14:creationId xmlns:p14="http://schemas.microsoft.com/office/powerpoint/2010/main" val="2973404635"/>
+      </p:ext>
+    </p:extLst>
+  </p:cSld>
+  <p:clrMapOvr>
+    <a:masterClrMapping/>
+  </p:clrMapOvr>
+  <p:timing>
+    <p:tnLst>
+      <p:par>
+        <p:cTn id="1" dur="indefinite" restart="never" nodeType="tmRoot">
+          <p:childTnLst>
+            <p:seq concurrent="1" nextAc="seek">
+              <p:cTn id="2" dur="indefinite" nodeType="mainSeq">
+                <p:childTnLst>
+                  <p:par>
+                    <p:cTn id="3" fill="hold">
+                      <p:stCondLst>
+                        <p:cond delay="indefinite"/>
+                      </p:stCondLst>
+                      <p:childTnLst>
+                        <p:par>
+                          <p:cTn id="4" fill="hold">
+                            <p:stCondLst>
+                              <p:cond delay="0"/>
+                            </p:stCondLst>
+                            <p:childTnLst>
+                              <p:par>
+                                <p:cTn id="5" presetID="1" presetClass="entr" presetSubtype="0" fill="hold" nodeType="clickEffect">
+                                  <p:stCondLst>
+                                    <p:cond delay="0"/>
+                                  </p:stCondLst>
+                                  <p:childTnLst>
+                                    <p:set>
+                                      <p:cBhvr>
+                                        <p:cTn id="6" dur="1" fill="hold">
+                                          <p:stCondLst>
+                                            <p:cond delay="0"/>
+                                          </p:stCondLst>
+                                        </p:cTn>
+                                        <p:tgtEl>
+                                          <p:spTgt spid="4">
+                                            <p:txEl>
+                                              <p:pRg st="0" end="0"/>
+                                            </p:txEl>
+                                          </p:spTgt>
+                                        </p:tgtEl>
+                                        <p:attrNameLst>
+                                          <p:attrName>style.visibility</p:attrName>
+                                        </p:attrNameLst>
+                                      </p:cBhvr>
+                                      <p:to>
+                                        <p:strVal val="visible"/>
+                                      </p:to>
+                                    </p:set>
+                                  </p:childTnLst>
+                                </p:cTn>
+                              </p:par>
+                              <p:par>
+                                <p:cTn id="7" presetID="1" presetClass="entr" presetSubtype="0" fill="hold" nodeType="withEffect">
+                                  <p:stCondLst>
+                                    <p:cond delay="0"/>
+                                  </p:stCondLst>
+                                  <p:childTnLst>
+                                    <p:set>
+                                      <p:cBhvr>
+                                        <p:cTn id="8" dur="1" fill="hold">
+                                          <p:stCondLst>
+                                            <p:cond delay="0"/>
+                                          </p:stCondLst>
+                                        </p:cTn>
+                                        <p:tgtEl>
+                                          <p:spTgt spid="4">
+                                            <p:txEl>
+                                              <p:pRg st="2" end="2"/>
+                                            </p:txEl>
+                                          </p:spTgt>
+                                        </p:tgtEl>
+                                        <p:attrNameLst>
+                                          <p:attrName>style.visibility</p:attrName>
+                                        </p:attrNameLst>
+                                      </p:cBhvr>
+                                      <p:to>
+                                        <p:strVal val="visible"/>
+                                      </p:to>
+                                    </p:set>
+                                  </p:childTnLst>
+                                </p:cTn>
+                              </p:par>
+                              <p:par>
+                                <p:cTn id="9" presetID="1" presetClass="entr" presetSubtype="0" fill="hold" nodeType="withEffect">
+                                  <p:stCondLst>
+                                    <p:cond delay="0"/>
+                                  </p:stCondLst>
+                                  <p:childTnLst>
+                                    <p:set>
+                                      <p:cBhvr>
+                                        <p:cTn id="10" dur="1" fill="hold">
+                                          <p:stCondLst>
+                                            <p:cond delay="0"/>
+                                          </p:stCondLst>
+                                        </p:cTn>
+                                        <p:tgtEl>
+                                          <p:spTgt spid="4">
+                                            <p:txEl>
+                                              <p:pRg st="4" end="4"/>
+                                            </p:txEl>
+                                          </p:spTgt>
+                                        </p:tgtEl>
+                                        <p:attrNameLst>
+                                          <p:attrName>style.visibility</p:attrName>
+                                        </p:attrNameLst>
+                                      </p:cBhvr>
+                                      <p:to>
+                                        <p:strVal val="visible"/>
+                                      </p:to>
+                                    </p:set>
+                                  </p:childTnLst>
+                                </p:cTn>
+                              </p:par>
+                              <p:par>
+                                <p:cTn id="11" presetID="1" presetClass="entr" presetSubtype="0" fill="hold" nodeType="withEffect">
+                                  <p:stCondLst>
+                                    <p:cond delay="0"/>
+                                  </p:stCondLst>
+                                  <p:childTnLst>
+                                    <p:set>
+                                      <p:cBhvr>
+                                        <p:cTn id="12" dur="1" fill="hold">
+                                          <p:stCondLst>
+                                            <p:cond delay="0"/>
+                                          </p:stCondLst>
+                                        </p:cTn>
+                                        <p:tgtEl>
+                                          <p:spTgt spid="4">
+                                            <p:txEl>
+                                              <p:pRg st="5" end="5"/>
+                                            </p:txEl>
+                                          </p:spTgt>
+                                        </p:tgtEl>
+                                        <p:attrNameLst>
+                                          <p:attrName>style.visibility</p:attrName>
+                                        </p:attrNameLst>
+                                      </p:cBhvr>
+                                      <p:to>
+                                        <p:strVal val="visible"/>
+                                      </p:to>
+                                    </p:set>
+                                  </p:childTnLst>
+                                </p:cTn>
+                              </p:par>
+                              <p:par>
+                                <p:cTn id="13" presetID="1" presetClass="entr" presetSubtype="0" fill="hold" nodeType="withEffect">
+                                  <p:stCondLst>
+                                    <p:cond delay="0"/>
+                                  </p:stCondLst>
+                                  <p:childTnLst>
+                                    <p:set>
+                                      <p:cBhvr>
+                                        <p:cTn id="14" dur="1" fill="hold">
+                                          <p:stCondLst>
+                                            <p:cond delay="0"/>
+                                          </p:stCondLst>
+                                        </p:cTn>
+                                        <p:tgtEl>
+                                          <p:spTgt spid="4">
+                                            <p:txEl>
+                                              <p:pRg st="6" end="6"/>
+                                            </p:txEl>
+                                          </p:spTgt>
+                                        </p:tgtEl>
+                                        <p:attrNameLst>
+                                          <p:attrName>style.visibility</p:attrName>
+                                        </p:attrNameLst>
+                                      </p:cBhvr>
+                                      <p:to>
+                                        <p:strVal val="visible"/>
+                                      </p:to>
+                                    </p:set>
+                                  </p:childTnLst>
+                                </p:cTn>
+                              </p:par>
+                              <p:par>
+                                <p:cTn id="15" presetID="1" presetClass="entr" presetSubtype="0" fill="hold" nodeType="withEffect">
+                                  <p:stCondLst>
+                                    <p:cond delay="0"/>
+                                  </p:stCondLst>
+                                  <p:childTnLst>
+                                    <p:set>
+                                      <p:cBhvr>
+                                        <p:cTn id="16" dur="1" fill="hold">
+                                          <p:stCondLst>
+                                            <p:cond delay="0"/>
+                                          </p:stCondLst>
+                                        </p:cTn>
+                                        <p:tgtEl>
+                                          <p:spTgt spid="4">
+                                            <p:txEl>
+                                              <p:pRg st="7" end="7"/>
+                                            </p:txEl>
+                                          </p:spTgt>
+                                        </p:tgtEl>
+                                        <p:attrNameLst>
+                                          <p:attrName>style.visibility</p:attrName>
+                                        </p:attrNameLst>
+                                      </p:cBhvr>
+                                      <p:to>
+                                        <p:strVal val="visible"/>
+                                      </p:to>
+                                    </p:set>
+                                  </p:childTnLst>
+                                </p:cTn>
+                              </p:par>
+                            </p:childTnLst>
+                          </p:cTn>
+                        </p:par>
+                      </p:childTnLst>
+                    </p:cTn>
+                  </p:par>
+                </p:childTnLst>
+              </p:cTn>
+              <p:prevCondLst>
+                <p:cond evt="onPrev" delay="0">
+                  <p:tgtEl>
+                    <p:sldTgt/>
+                  </p:tgtEl>
+                </p:cond>
+              </p:prevCondLst>
+              <p:nextCondLst>
+                <p:cond evt="onNext" delay="0">
+                  <p:tgtEl>
+                    <p:sldTgt/>
+                  </p:tgtEl>
+                </p:cond>
+              </p:nextCondLst>
+            </p:seq>
+          </p:childTnLst>
+        </p:cTn>
+      </p:par>
+    </p:tnLst>
+  </p:timing>
+</p:sld>
+</file>
+
+<file path=ppt/slides/slide15.xml><?xml version="1.0" encoding="utf-8"?>
 <p:sld xmlns:a="http://schemas.openxmlformats.org/drawingml/2006/main" xmlns:r="http://schemas.openxmlformats.org/officeDocument/2006/relationships" xmlns:p="http://schemas.openxmlformats.org/presentationml/2006/main">
   <p:cSld>
     <p:spTree>
@@ -15120,7 +17518,7 @@
 </p:sld>
 </file>
 
-<file path=ppt/slides/slide14.xml><?xml version="1.0" encoding="utf-8"?>
+<file path=ppt/slides/slide16.xml><?xml version="1.0" encoding="utf-8"?>
 <p:sld xmlns:a="http://schemas.openxmlformats.org/drawingml/2006/main" xmlns:r="http://schemas.openxmlformats.org/officeDocument/2006/relationships" xmlns:p="http://schemas.openxmlformats.org/presentationml/2006/main">
   <p:cSld>
     <p:spTree>
@@ -15287,7 +17685,7 @@
 </p:sld>
 </file>
 
-<file path=ppt/slides/slide15.xml><?xml version="1.0" encoding="utf-8"?>
+<file path=ppt/slides/slide17.xml><?xml version="1.0" encoding="utf-8"?>
 <p:sld xmlns:a="http://schemas.openxmlformats.org/drawingml/2006/main" xmlns:r="http://schemas.openxmlformats.org/officeDocument/2006/relationships" xmlns:p="http://schemas.openxmlformats.org/presentationml/2006/main">
   <p:cSld>
     <p:spTree>
@@ -15476,7 +17874,7 @@
 </p:sld>
 </file>
 
-<file path=ppt/slides/slide16.xml><?xml version="1.0" encoding="utf-8"?>
+<file path=ppt/slides/slide18.xml><?xml version="1.0" encoding="utf-8"?>
 <p:sld xmlns:a="http://schemas.openxmlformats.org/drawingml/2006/main" xmlns:r="http://schemas.openxmlformats.org/officeDocument/2006/relationships" xmlns:p="http://schemas.openxmlformats.org/presentationml/2006/main">
   <p:cSld>
     <p:spTree>
@@ -15618,7 +18016,7 @@
 </p:sld>
 </file>
 
-<file path=ppt/slides/slide17.xml><?xml version="1.0" encoding="utf-8"?>
+<file path=ppt/slides/slide19.xml><?xml version="1.0" encoding="utf-8"?>
 <p:sld xmlns:a="http://schemas.openxmlformats.org/drawingml/2006/main" xmlns:r="http://schemas.openxmlformats.org/officeDocument/2006/relationships" xmlns:p="http://schemas.openxmlformats.org/presentationml/2006/main">
   <p:cSld>
     <p:spTree>
@@ -15756,6 +18154,13 @@
   <p:clrMapOvr>
     <a:masterClrMapping/>
   </p:clrMapOvr>
+  <p:timing>
+    <p:tnLst>
+      <p:par>
+        <p:cTn id="1" dur="indefinite" restart="never" nodeType="tmRoot"/>
+      </p:par>
+    </p:tnLst>
+  </p:timing>
 </p:sld>
 </file>
 
@@ -15811,7 +18216,9 @@
         </p:nvSpPr>
         <p:spPr/>
         <p:txBody>
-          <a:bodyPr/>
+          <a:bodyPr>
+            <a:normAutofit/>
+          </a:bodyPr>
           <a:lstStyle/>
           <a:p>
             <a:r>
@@ -15872,7 +18279,7 @@
           </p:nvPr>
         </p:nvPicPr>
         <p:blipFill>
-          <a:blip r:embed="rId2">
+          <a:blip r:embed="rId3">
             <a:extLst>
               <a:ext uri="{28A0092B-C50C-407E-A947-70E740481C1C}">
                 <a14:useLocalDpi xmlns:a14="http://schemas.microsoft.com/office/drawing/2010/main" val="0"/>
@@ -15922,7 +18329,7 @@
           <p:nvPr/>
         </p:nvPicPr>
         <p:blipFill>
-          <a:blip r:embed="rId3">
+          <a:blip r:embed="rId4">
             <a:extLst>
               <a:ext uri="{28A0092B-C50C-407E-A947-70E740481C1C}">
                 <a14:useLocalDpi xmlns:a14="http://schemas.microsoft.com/office/drawing/2010/main" val="0"/>
@@ -15973,6 +18380,13 @@
   <p:clrMapOvr>
     <a:masterClrMapping/>
   </p:clrMapOvr>
+  <p:timing>
+    <p:tnLst>
+      <p:par>
+        <p:cTn id="1" dur="indefinite" restart="never" nodeType="tmRoot"/>
+      </p:par>
+    </p:tnLst>
+  </p:timing>
 </p:sld>
 </file>
 
@@ -16005,7 +18419,9 @@
         </p:nvSpPr>
         <p:spPr/>
         <p:txBody>
-          <a:bodyPr/>
+          <a:bodyPr>
+            <a:normAutofit/>
+          </a:bodyPr>
           <a:lstStyle/>
           <a:p>
             <a:r>
@@ -16036,7 +18452,9 @@
         </p:nvSpPr>
         <p:spPr/>
         <p:txBody>
-          <a:bodyPr/>
+          <a:bodyPr>
+            <a:normAutofit/>
+          </a:bodyPr>
           <a:lstStyle/>
           <a:p>
             <a:endParaRPr lang="en-US" dirty="0" smtClean="0"/>
@@ -16067,7 +18485,7 @@
           <p:nvPr/>
         </p:nvPicPr>
         <p:blipFill rotWithShape="1">
-          <a:blip r:embed="rId2">
+          <a:blip r:embed="rId3">
             <a:extLst>
               <a:ext uri="{28A0092B-C50C-407E-A947-70E740481C1C}">
                 <a14:useLocalDpi xmlns:a14="http://schemas.microsoft.com/office/drawing/2010/main" val="0"/>
@@ -16106,6 +18524,13 @@
   <p:clrMapOvr>
     <a:masterClrMapping/>
   </p:clrMapOvr>
+  <p:timing>
+    <p:tnLst>
+      <p:par>
+        <p:cTn id="1" dur="indefinite" restart="never" nodeType="tmRoot"/>
+      </p:par>
+    </p:tnLst>
+  </p:timing>
 </p:sld>
 </file>
 
@@ -16285,7 +18710,7 @@
           <p:nvPr/>
         </p:nvPicPr>
         <p:blipFill>
-          <a:blip r:embed="rId2" cstate="print">
+          <a:blip r:embed="rId3" cstate="print">
             <a:extLst>
               <a:ext uri="{28A0092B-C50C-407E-A947-70E740481C1C}">
                 <a14:useLocalDpi xmlns:a14="http://schemas.microsoft.com/office/drawing/2010/main" val="0"/>
@@ -16380,7 +18805,9 @@
         </p:nvSpPr>
         <p:spPr/>
         <p:txBody>
-          <a:bodyPr/>
+          <a:bodyPr>
+            <a:normAutofit/>
+          </a:bodyPr>
           <a:lstStyle/>
           <a:p>
             <a:r>
@@ -16402,7 +18829,7 @@
       <p:pic>
         <p:nvPicPr>
           <p:cNvPr id="1026" name="Picture 2">
-            <a:hlinkClick r:id="rId2"/>
+            <a:hlinkClick r:id="rId3"/>
           </p:cNvPr>
           <p:cNvPicPr>
             <a:picLocks noChangeAspect="1" noChangeArrowheads="1"/>
@@ -16410,7 +18837,7 @@
           <p:nvPr/>
         </p:nvPicPr>
         <p:blipFill>
-          <a:blip r:embed="rId3" cstate="print">
+          <a:blip r:embed="rId4" cstate="print">
             <a:extLst>
               <a:ext uri="{28A0092B-C50C-407E-A947-70E740481C1C}">
                 <a14:useLocalDpi xmlns:a14="http://schemas.microsoft.com/office/drawing/2010/main" val="0"/>
@@ -16464,7 +18891,7 @@
       <p:pic>
         <p:nvPicPr>
           <p:cNvPr id="1027" name="Picture 3">
-            <a:hlinkClick r:id="rId4"/>
+            <a:hlinkClick r:id="rId5"/>
           </p:cNvPr>
           <p:cNvPicPr>
             <a:picLocks noChangeAspect="1" noChangeArrowheads="1"/>
@@ -16472,7 +18899,7 @@
           <p:nvPr/>
         </p:nvPicPr>
         <p:blipFill>
-          <a:blip r:embed="rId5" cstate="print">
+          <a:blip r:embed="rId6" cstate="print">
             <a:extLst>
               <a:ext uri="{28A0092B-C50C-407E-A947-70E740481C1C}">
                 <a14:useLocalDpi xmlns:a14="http://schemas.microsoft.com/office/drawing/2010/main" val="0"/>
@@ -16759,23 +19186,19 @@
           </p:nvPr>
         </p:nvPicPr>
         <p:blipFill>
-          <a:blip r:embed="rId2">
+          <a:blip r:embed="rId3">
             <a:extLst>
               <a:ext uri="{28A0092B-C50C-407E-A947-70E740481C1C}">
                 <a14:useLocalDpi xmlns:a14="http://schemas.microsoft.com/office/drawing/2010/main" val="0"/>
               </a:ext>
             </a:extLst>
           </a:blip>
+          <a:srcRect l="7815" r="7815"/>
           <a:stretch>
             <a:fillRect/>
           </a:stretch>
         </p:blipFill>
-        <p:spPr>
-          <a:xfrm>
-            <a:off x="838200" y="1600200"/>
-            <a:ext cx="3566160" cy="2468879"/>
-          </a:xfrm>
-        </p:spPr>
+        <p:spPr/>
       </p:pic>
     </p:spTree>
     <p:extLst>
@@ -16829,7 +19252,7 @@
           <a:p>
             <a:r>
               <a:rPr lang="en-US" dirty="0" smtClean="0"/>
-              <a:t>UDK</a:t>
+              <a:t>Unity</a:t>
             </a:r>
             <a:endParaRPr lang="en-US" dirty="0"/>
           </a:p>
@@ -16853,7 +19276,7 @@
         </p:spPr>
         <p:txBody>
           <a:bodyPr>
-            <a:normAutofit fontScale="77500" lnSpcReduction="20000"/>
+            <a:normAutofit/>
           </a:bodyPr>
           <a:lstStyle/>
           <a:p>
@@ -16868,8 +19291,13 @@
           <a:p>
             <a:r>
               <a:rPr lang="en-US" dirty="0" smtClean="0"/>
-              <a:t>Games using Unreal:</a:t>
-            </a:r>
+              <a:t>Games using </a:t>
+            </a:r>
+            <a:r>
+              <a:rPr lang="en-US" dirty="0" smtClean="0"/>
+              <a:t>Unity:</a:t>
+            </a:r>
+            <a:endParaRPr lang="en-US" dirty="0" smtClean="0"/>
           </a:p>
           <a:p>
             <a:pPr marL="285750" indent="-285750">
@@ -16878,7 +19306,7 @@
             </a:pPr>
             <a:r>
               <a:rPr lang="en-US" dirty="0" smtClean="0"/>
-              <a:t>Devil May Cry</a:t>
+              <a:t>Hearthstone</a:t>
             </a:r>
           </a:p>
           <a:p>
@@ -16888,7 +19316,7 @@
             </a:pPr>
             <a:r>
               <a:rPr lang="en-US" dirty="0" smtClean="0"/>
-              <a:t>Lost Planet</a:t>
+              <a:t>Scrolls</a:t>
             </a:r>
           </a:p>
           <a:p>
@@ -16898,7 +19326,7 @@
             </a:pPr>
             <a:r>
               <a:rPr lang="en-US" dirty="0" smtClean="0"/>
-              <a:t>Dishonored</a:t>
+              <a:t>Wasteland 2</a:t>
             </a:r>
           </a:p>
           <a:p>
@@ -16908,7 +19336,7 @@
             </a:pPr>
             <a:r>
               <a:rPr lang="en-US" dirty="0" smtClean="0"/>
-              <a:t>Fable</a:t>
+              <a:t>Guns of Icarus Online</a:t>
             </a:r>
           </a:p>
           <a:p>
@@ -16917,117 +19345,66 @@
               <a:buChar char="•"/>
             </a:pPr>
             <a:r>
-              <a:rPr lang="en-US" dirty="0" err="1" smtClean="0"/>
-              <a:t>Hawken</a:t>
-            </a:r>
-            <a:endParaRPr lang="en-US" dirty="0" smtClean="0"/>
+              <a:rPr lang="en-US" dirty="0"/>
+              <a:t>Temple Run 2</a:t>
+            </a:r>
           </a:p>
           <a:p>
             <a:pPr marL="285750" indent="-285750">
               <a:buFont typeface="Arial" pitchFamily="34" charset="0"/>
               <a:buChar char="•"/>
             </a:pPr>
-            <a:r>
-              <a:rPr lang="en-US" dirty="0" smtClean="0"/>
-              <a:t>Transformers</a:t>
-            </a:r>
+            <a:endParaRPr lang="en-US" dirty="0" smtClean="0"/>
           </a:p>
           <a:p>
             <a:pPr marL="285750" indent="-285750">
               <a:buFont typeface="Arial" pitchFamily="34" charset="0"/>
               <a:buChar char="•"/>
             </a:pPr>
-            <a:r>
-              <a:rPr lang="en-US" dirty="0" err="1" smtClean="0"/>
-              <a:t>Xcom</a:t>
-            </a:r>
-            <a:endParaRPr lang="en-US" dirty="0" smtClean="0"/>
-          </a:p>
-          <a:p>
-            <a:pPr marL="285750" indent="-285750">
-              <a:buFont typeface="Arial" pitchFamily="34" charset="0"/>
-              <a:buChar char="•"/>
-            </a:pPr>
-            <a:r>
-              <a:rPr lang="en-US" dirty="0" smtClean="0"/>
-              <a:t>Borderlands</a:t>
-            </a:r>
-          </a:p>
-          <a:p>
-            <a:pPr marL="285750" indent="-285750">
-              <a:buFont typeface="Arial" pitchFamily="34" charset="0"/>
-              <a:buChar char="•"/>
-            </a:pPr>
-            <a:r>
-              <a:rPr lang="en-US" dirty="0" smtClean="0"/>
-              <a:t>Batman (</a:t>
-            </a:r>
-            <a:r>
-              <a:rPr lang="en-US" dirty="0" err="1" smtClean="0"/>
-              <a:t>Arkham</a:t>
-            </a:r>
-            <a:r>
-              <a:rPr lang="en-US" dirty="0" smtClean="0"/>
-              <a:t> City)</a:t>
-            </a:r>
-          </a:p>
-          <a:p>
-            <a:pPr marL="285750" indent="-285750">
-              <a:buFont typeface="Arial" pitchFamily="34" charset="0"/>
-              <a:buChar char="•"/>
-            </a:pPr>
-            <a:r>
-              <a:rPr lang="en-US" dirty="0" smtClean="0"/>
-              <a:t>Mass Effect</a:t>
-            </a:r>
-          </a:p>
-          <a:p>
-            <a:pPr marL="285750" indent="-285750">
-              <a:buFont typeface="Arial" pitchFamily="34" charset="0"/>
-              <a:buChar char="•"/>
-            </a:pPr>
-            <a:r>
-              <a:rPr lang="en-US" dirty="0" smtClean="0"/>
-              <a:t>Gears of War</a:t>
-            </a:r>
-          </a:p>
-          <a:p>
-            <a:pPr marL="285750" indent="-285750">
-              <a:buFont typeface="Arial" pitchFamily="34" charset="0"/>
-              <a:buChar char="•"/>
-            </a:pPr>
-            <a:r>
-              <a:rPr lang="en-US" dirty="0" smtClean="0"/>
-              <a:t>ETC.</a:t>
-            </a:r>
             <a:endParaRPr lang="en-US" dirty="0"/>
           </a:p>
         </p:txBody>
       </p:sp>
       <p:pic>
         <p:nvPicPr>
-          <p:cNvPr id="5" name="Picture Placeholder 4"/>
-          <p:cNvPicPr>
-            <a:picLocks noGrp="1" noChangeAspect="1"/>
+          <p:cNvPr id="2052" name="Picture 4" descr="http://www.blogcdn.com/www.joystiq.com/media/2013/04/unity.jpg"/>
+          <p:cNvPicPr preferRelativeResize="0">
+            <a:picLocks noGrp="1" noChangeAspect="1" noChangeArrowheads="1"/>
           </p:cNvPicPr>
           <p:nvPr>
             <p:ph type="pic" idx="1"/>
           </p:nvPr>
         </p:nvPicPr>
-        <p:blipFill>
-          <a:blip r:embed="rId2" cstate="print">
+        <p:blipFill rotWithShape="1">
+          <a:blip r:embed="rId3">
             <a:extLst>
               <a:ext uri="{28A0092B-C50C-407E-A947-70E740481C1C}">
                 <a14:useLocalDpi xmlns:a14="http://schemas.microsoft.com/office/drawing/2010/main" val="0"/>
               </a:ext>
             </a:extLst>
           </a:blip>
-          <a:srcRect l="11917" r="11917"/>
-          <a:stretch>
-            <a:fillRect/>
-          </a:stretch>
+          <a:srcRect l="-426" r="-426"/>
+          <a:stretch/>
         </p:blipFill>
-        <p:spPr/>
+        <p:spPr bwMode="auto">
+          <a:xfrm>
+            <a:off x="457200" y="1645920"/>
+            <a:ext cx="4480560" cy="2011680"/>
+          </a:xfrm>
+          <a:prstGeom prst="rect">
+            <a:avLst/>
+          </a:prstGeom>
+          <a:noFill/>
+          <a:extLst>
+            <a:ext uri="{909E8E84-426E-40DD-AFC4-6F175D3DCCD1}">
+              <a14:hiddenFill xmlns:a14="http://schemas.microsoft.com/office/drawing/2010/main">
+                <a:solidFill>
+                  <a:srgbClr val="FFFFFF"/>
+                </a:solidFill>
+              </a14:hiddenFill>
+            </a:ext>
+          </a:extLst>
+        </p:spPr>
       </p:pic>
     </p:spTree>
     <p:extLst>
@@ -17336,4 +19713,289 @@
   <a:objectDefaults/>
   <a:extraClrSchemeLst/>
 </a:theme>
+</file>
+
+<file path=ppt/theme/theme2.xml><?xml version="1.0" encoding="utf-8"?>
+<a:theme xmlns:a="http://schemas.openxmlformats.org/drawingml/2006/main" name="Office Theme">
+  <a:themeElements>
+    <a:clrScheme name="Office">
+      <a:dk1>
+        <a:sysClr val="windowText" lastClr="000000"/>
+      </a:dk1>
+      <a:lt1>
+        <a:sysClr val="window" lastClr="FFFFFF"/>
+      </a:lt1>
+      <a:dk2>
+        <a:srgbClr val="1F497D"/>
+      </a:dk2>
+      <a:lt2>
+        <a:srgbClr val="EEECE1"/>
+      </a:lt2>
+      <a:accent1>
+        <a:srgbClr val="4F81BD"/>
+      </a:accent1>
+      <a:accent2>
+        <a:srgbClr val="C0504D"/>
+      </a:accent2>
+      <a:accent3>
+        <a:srgbClr val="9BBB59"/>
+      </a:accent3>
+      <a:accent4>
+        <a:srgbClr val="8064A2"/>
+      </a:accent4>
+      <a:accent5>
+        <a:srgbClr val="4BACC6"/>
+      </a:accent5>
+      <a:accent6>
+        <a:srgbClr val="F79646"/>
+      </a:accent6>
+      <a:hlink>
+        <a:srgbClr val="0000FF"/>
+      </a:hlink>
+      <a:folHlink>
+        <a:srgbClr val="800080"/>
+      </a:folHlink>
+    </a:clrScheme>
+    <a:fontScheme name="Office">
+      <a:majorFont>
+        <a:latin typeface="Calibri"/>
+        <a:ea typeface=""/>
+        <a:cs typeface=""/>
+        <a:font script="Jpan" typeface="ＭＳ Ｐゴシック"/>
+        <a:font script="Hang" typeface="맑은 고딕"/>
+        <a:font script="Hans" typeface="宋体"/>
+        <a:font script="Hant" typeface="新細明體"/>
+        <a:font script="Arab" typeface="Times New Roman"/>
+        <a:font script="Hebr" typeface="Times New Roman"/>
+        <a:font script="Thai" typeface="Angsana New"/>
+        <a:font script="Ethi" typeface="Nyala"/>
+        <a:font script="Beng" typeface="Vrinda"/>
+        <a:font script="Gujr" typeface="Shruti"/>
+        <a:font script="Khmr" typeface="MoolBoran"/>
+        <a:font script="Knda" typeface="Tunga"/>
+        <a:font script="Guru" typeface="Raavi"/>
+        <a:font script="Cans" typeface="Euphemia"/>
+        <a:font script="Cher" typeface="Plantagenet Cherokee"/>
+        <a:font script="Yiii" typeface="Microsoft Yi Baiti"/>
+        <a:font script="Tibt" typeface="Microsoft Himalaya"/>
+        <a:font script="Thaa" typeface="MV Boli"/>
+        <a:font script="Deva" typeface="Mangal"/>
+        <a:font script="Telu" typeface="Gautami"/>
+        <a:font script="Taml" typeface="Latha"/>
+        <a:font script="Syrc" typeface="Estrangelo Edessa"/>
+        <a:font script="Orya" typeface="Kalinga"/>
+        <a:font script="Mlym" typeface="Kartika"/>
+        <a:font script="Laoo" typeface="DokChampa"/>
+        <a:font script="Sinh" typeface="Iskoola Pota"/>
+        <a:font script="Mong" typeface="Mongolian Baiti"/>
+        <a:font script="Viet" typeface="Times New Roman"/>
+        <a:font script="Uigh" typeface="Microsoft Uighur"/>
+        <a:font script="Geor" typeface="Sylfaen"/>
+      </a:majorFont>
+      <a:minorFont>
+        <a:latin typeface="Calibri"/>
+        <a:ea typeface=""/>
+        <a:cs typeface=""/>
+        <a:font script="Jpan" typeface="ＭＳ Ｐゴシック"/>
+        <a:font script="Hang" typeface="맑은 고딕"/>
+        <a:font script="Hans" typeface="宋体"/>
+        <a:font script="Hant" typeface="新細明體"/>
+        <a:font script="Arab" typeface="Arial"/>
+        <a:font script="Hebr" typeface="Arial"/>
+        <a:font script="Thai" typeface="Cordia New"/>
+        <a:font script="Ethi" typeface="Nyala"/>
+        <a:font script="Beng" typeface="Vrinda"/>
+        <a:font script="Gujr" typeface="Shruti"/>
+        <a:font script="Khmr" typeface="DaunPenh"/>
+        <a:font script="Knda" typeface="Tunga"/>
+        <a:font script="Guru" typeface="Raavi"/>
+        <a:font script="Cans" typeface="Euphemia"/>
+        <a:font script="Cher" typeface="Plantagenet Cherokee"/>
+        <a:font script="Yiii" typeface="Microsoft Yi Baiti"/>
+        <a:font script="Tibt" typeface="Microsoft Himalaya"/>
+        <a:font script="Thaa" typeface="MV Boli"/>
+        <a:font script="Deva" typeface="Mangal"/>
+        <a:font script="Telu" typeface="Gautami"/>
+        <a:font script="Taml" typeface="Latha"/>
+        <a:font script="Syrc" typeface="Estrangelo Edessa"/>
+        <a:font script="Orya" typeface="Kalinga"/>
+        <a:font script="Mlym" typeface="Kartika"/>
+        <a:font script="Laoo" typeface="DokChampa"/>
+        <a:font script="Sinh" typeface="Iskoola Pota"/>
+        <a:font script="Mong" typeface="Mongolian Baiti"/>
+        <a:font script="Viet" typeface="Arial"/>
+        <a:font script="Uigh" typeface="Microsoft Uighur"/>
+        <a:font script="Geor" typeface="Sylfaen"/>
+      </a:minorFont>
+    </a:fontScheme>
+    <a:fmtScheme name="Office">
+      <a:fillStyleLst>
+        <a:solidFill>
+          <a:schemeClr val="phClr"/>
+        </a:solidFill>
+        <a:gradFill rotWithShape="1">
+          <a:gsLst>
+            <a:gs pos="0">
+              <a:schemeClr val="phClr">
+                <a:tint val="50000"/>
+                <a:satMod val="300000"/>
+              </a:schemeClr>
+            </a:gs>
+            <a:gs pos="35000">
+              <a:schemeClr val="phClr">
+                <a:tint val="37000"/>
+                <a:satMod val="300000"/>
+              </a:schemeClr>
+            </a:gs>
+            <a:gs pos="100000">
+              <a:schemeClr val="phClr">
+                <a:tint val="15000"/>
+                <a:satMod val="350000"/>
+              </a:schemeClr>
+            </a:gs>
+          </a:gsLst>
+          <a:lin ang="16200000" scaled="1"/>
+        </a:gradFill>
+        <a:gradFill rotWithShape="1">
+          <a:gsLst>
+            <a:gs pos="0">
+              <a:schemeClr val="phClr">
+                <a:shade val="51000"/>
+                <a:satMod val="130000"/>
+              </a:schemeClr>
+            </a:gs>
+            <a:gs pos="80000">
+              <a:schemeClr val="phClr">
+                <a:shade val="93000"/>
+                <a:satMod val="130000"/>
+              </a:schemeClr>
+            </a:gs>
+            <a:gs pos="100000">
+              <a:schemeClr val="phClr">
+                <a:shade val="94000"/>
+                <a:satMod val="135000"/>
+              </a:schemeClr>
+            </a:gs>
+          </a:gsLst>
+          <a:lin ang="16200000" scaled="0"/>
+        </a:gradFill>
+      </a:fillStyleLst>
+      <a:lnStyleLst>
+        <a:ln w="9525" cap="flat" cmpd="sng" algn="ctr">
+          <a:solidFill>
+            <a:schemeClr val="phClr">
+              <a:shade val="95000"/>
+              <a:satMod val="105000"/>
+            </a:schemeClr>
+          </a:solidFill>
+          <a:prstDash val="solid"/>
+        </a:ln>
+        <a:ln w="25400" cap="flat" cmpd="sng" algn="ctr">
+          <a:solidFill>
+            <a:schemeClr val="phClr"/>
+          </a:solidFill>
+          <a:prstDash val="solid"/>
+        </a:ln>
+        <a:ln w="38100" cap="flat" cmpd="sng" algn="ctr">
+          <a:solidFill>
+            <a:schemeClr val="phClr"/>
+          </a:solidFill>
+          <a:prstDash val="solid"/>
+        </a:ln>
+      </a:lnStyleLst>
+      <a:effectStyleLst>
+        <a:effectStyle>
+          <a:effectLst>
+            <a:outerShdw blurRad="40000" dist="20000" dir="5400000" rotWithShape="0">
+              <a:srgbClr val="000000">
+                <a:alpha val="38000"/>
+              </a:srgbClr>
+            </a:outerShdw>
+          </a:effectLst>
+        </a:effectStyle>
+        <a:effectStyle>
+          <a:effectLst>
+            <a:outerShdw blurRad="40000" dist="23000" dir="5400000" rotWithShape="0">
+              <a:srgbClr val="000000">
+                <a:alpha val="35000"/>
+              </a:srgbClr>
+            </a:outerShdw>
+          </a:effectLst>
+        </a:effectStyle>
+        <a:effectStyle>
+          <a:effectLst>
+            <a:outerShdw blurRad="40000" dist="23000" dir="5400000" rotWithShape="0">
+              <a:srgbClr val="000000">
+                <a:alpha val="35000"/>
+              </a:srgbClr>
+            </a:outerShdw>
+          </a:effectLst>
+          <a:scene3d>
+            <a:camera prst="orthographicFront">
+              <a:rot lat="0" lon="0" rev="0"/>
+            </a:camera>
+            <a:lightRig rig="threePt" dir="t">
+              <a:rot lat="0" lon="0" rev="1200000"/>
+            </a:lightRig>
+          </a:scene3d>
+          <a:sp3d>
+            <a:bevelT w="63500" h="25400"/>
+          </a:sp3d>
+        </a:effectStyle>
+      </a:effectStyleLst>
+      <a:bgFillStyleLst>
+        <a:solidFill>
+          <a:schemeClr val="phClr"/>
+        </a:solidFill>
+        <a:gradFill rotWithShape="1">
+          <a:gsLst>
+            <a:gs pos="0">
+              <a:schemeClr val="phClr">
+                <a:tint val="40000"/>
+                <a:satMod val="350000"/>
+              </a:schemeClr>
+            </a:gs>
+            <a:gs pos="40000">
+              <a:schemeClr val="phClr">
+                <a:tint val="45000"/>
+                <a:shade val="99000"/>
+                <a:satMod val="350000"/>
+              </a:schemeClr>
+            </a:gs>
+            <a:gs pos="100000">
+              <a:schemeClr val="phClr">
+                <a:shade val="20000"/>
+                <a:satMod val="255000"/>
+              </a:schemeClr>
+            </a:gs>
+          </a:gsLst>
+          <a:path path="circle">
+            <a:fillToRect l="50000" t="-80000" r="50000" b="180000"/>
+          </a:path>
+        </a:gradFill>
+        <a:gradFill rotWithShape="1">
+          <a:gsLst>
+            <a:gs pos="0">
+              <a:schemeClr val="phClr">
+                <a:tint val="80000"/>
+                <a:satMod val="300000"/>
+              </a:schemeClr>
+            </a:gs>
+            <a:gs pos="100000">
+              <a:schemeClr val="phClr">
+                <a:shade val="30000"/>
+                <a:satMod val="200000"/>
+              </a:schemeClr>
+            </a:gs>
+          </a:gsLst>
+          <a:path path="circle">
+            <a:fillToRect l="50000" t="50000" r="50000" b="50000"/>
+          </a:path>
+        </a:gradFill>
+      </a:bgFillStyleLst>
+    </a:fmtScheme>
+  </a:themeElements>
+  <a:objectDefaults/>
+  <a:extraClrSchemeLst/>
+</a:theme>
 </file>